--- a/001_intro.pptx
+++ b/001_intro.pptx
@@ -5,12 +5,17 @@
     <p:sldMasterId id="2147483648" r:id="rId1"/>
   </p:sldMasterIdLst>
   <p:notesMasterIdLst>
-    <p:notesMasterId r:id="rId5"/>
+    <p:notesMasterId r:id="rId10"/>
   </p:notesMasterIdLst>
   <p:sldIdLst>
     <p:sldId id="256" r:id="rId2"/>
     <p:sldId id="258" r:id="rId3"/>
-    <p:sldId id="259" r:id="rId4"/>
+    <p:sldId id="262" r:id="rId4"/>
+    <p:sldId id="263" r:id="rId5"/>
+    <p:sldId id="265" r:id="rId6"/>
+    <p:sldId id="260" r:id="rId7"/>
+    <p:sldId id="264" r:id="rId8"/>
+    <p:sldId id="259" r:id="rId9"/>
   </p:sldIdLst>
   <p:sldSz cx="9144000" cy="6858000" type="screen4x3"/>
   <p:notesSz cx="6858000" cy="9144000"/>
@@ -211,7 +216,7 @@
             <a:fld id="{6837EDA8-41C8-4B24-A206-13C08A65A6D7}" type="datetimeFigureOut">
               <a:rPr lang="zh-TW" altLang="en-US" smtClean="0"/>
               <a:pPr/>
-              <a:t>2020/8/17</a:t>
+              <a:t>2020/9/24</a:t>
             </a:fld>
             <a:endParaRPr lang="zh-TW" altLang="en-US"/>
           </a:p>
@@ -664,7 +669,7 @@
             <a:fld id="{8B85509C-BD4F-47BF-9B1E-FC2E949B3621}" type="datetime1">
               <a:rPr lang="zh-TW" altLang="en-US" smtClean="0"/>
               <a:pPr/>
-              <a:t>2020/8/17</a:t>
+              <a:t>2020/9/24</a:t>
             </a:fld>
             <a:endParaRPr lang="zh-TW" altLang="en-US"/>
           </a:p>
@@ -837,7 +842,7 @@
             <a:fld id="{42251B24-F787-4C15-8A0F-7AEC20C70069}" type="datetime1">
               <a:rPr lang="zh-TW" altLang="en-US" smtClean="0"/>
               <a:pPr/>
-              <a:t>2020/8/17</a:t>
+              <a:t>2020/9/24</a:t>
             </a:fld>
             <a:endParaRPr lang="zh-TW" altLang="en-US"/>
           </a:p>
@@ -1012,7 +1017,7 @@
             <a:fld id="{9CA0D33C-CE2B-45F1-B8D4-FFD1F131F331}" type="datetime1">
               <a:rPr lang="zh-TW" altLang="en-US" smtClean="0"/>
               <a:pPr/>
-              <a:t>2020/8/17</a:t>
+              <a:t>2020/9/24</a:t>
             </a:fld>
             <a:endParaRPr lang="zh-TW" altLang="en-US"/>
           </a:p>
@@ -1177,7 +1182,7 @@
             <a:fld id="{50B99440-D9EF-40CC-9B52-F6428D9B2C76}" type="datetime1">
               <a:rPr lang="zh-TW" altLang="en-US" smtClean="0"/>
               <a:pPr/>
-              <a:t>2020/8/17</a:t>
+              <a:t>2020/9/24</a:t>
             </a:fld>
             <a:endParaRPr lang="zh-TW" altLang="en-US"/>
           </a:p>
@@ -1419,7 +1424,7 @@
             <a:fld id="{0871BF52-5C6C-4959-8E27-CECB68D39FE4}" type="datetime1">
               <a:rPr lang="zh-TW" altLang="en-US" smtClean="0"/>
               <a:pPr/>
-              <a:t>2020/8/17</a:t>
+              <a:t>2020/9/24</a:t>
             </a:fld>
             <a:endParaRPr lang="zh-TW" altLang="en-US"/>
           </a:p>
@@ -1701,7 +1706,7 @@
             <a:fld id="{DF863F05-2DD9-4EB1-A827-12FD992DE9DC}" type="datetime1">
               <a:rPr lang="zh-TW" altLang="en-US" smtClean="0"/>
               <a:pPr/>
-              <a:t>2020/8/17</a:t>
+              <a:t>2020/9/24</a:t>
             </a:fld>
             <a:endParaRPr lang="zh-TW" altLang="en-US"/>
           </a:p>
@@ -2117,7 +2122,7 @@
             <a:fld id="{6339AF51-4491-4873-A096-75DB6CE47516}" type="datetime1">
               <a:rPr lang="zh-TW" altLang="en-US" smtClean="0"/>
               <a:pPr/>
-              <a:t>2020/8/17</a:t>
+              <a:t>2020/9/24</a:t>
             </a:fld>
             <a:endParaRPr lang="zh-TW" altLang="en-US"/>
           </a:p>
@@ -2231,7 +2236,7 @@
             <a:fld id="{EE4AD9C8-8B9E-40FF-ABE2-858AC2057BBB}" type="datetime1">
               <a:rPr lang="zh-TW" altLang="en-US" smtClean="0"/>
               <a:pPr/>
-              <a:t>2020/8/17</a:t>
+              <a:t>2020/9/24</a:t>
             </a:fld>
             <a:endParaRPr lang="zh-TW" altLang="en-US"/>
           </a:p>
@@ -2323,7 +2328,7 @@
             <a:fld id="{B4784999-BBBE-4BE4-A8D0-877E7D1D66CC}" type="datetime1">
               <a:rPr lang="zh-TW" altLang="en-US" smtClean="0"/>
               <a:pPr/>
-              <a:t>2020/8/17</a:t>
+              <a:t>2020/9/24</a:t>
             </a:fld>
             <a:endParaRPr lang="zh-TW" altLang="en-US"/>
           </a:p>
@@ -2595,7 +2600,7 @@
             <a:fld id="{E88D17E6-02BD-4944-B9FE-7BFCCBF83D48}" type="datetime1">
               <a:rPr lang="zh-TW" altLang="en-US" smtClean="0"/>
               <a:pPr/>
-              <a:t>2020/8/17</a:t>
+              <a:t>2020/9/24</a:t>
             </a:fld>
             <a:endParaRPr lang="zh-TW" altLang="en-US"/>
           </a:p>
@@ -2844,7 +2849,7 @@
             <a:fld id="{3C13E23D-1FEF-4D78-A3A3-3D6F2BB31954}" type="datetime1">
               <a:rPr lang="zh-TW" altLang="en-US" smtClean="0"/>
               <a:pPr/>
-              <a:t>2020/8/17</a:t>
+              <a:t>2020/9/24</a:t>
             </a:fld>
             <a:endParaRPr lang="zh-TW" altLang="en-US"/>
           </a:p>
@@ -3052,7 +3057,7 @@
             <a:fld id="{06197F35-AD6F-4594-8B50-334492D2E7E8}" type="datetime1">
               <a:rPr lang="zh-TW" altLang="en-US" smtClean="0"/>
               <a:pPr/>
-              <a:t>2020/8/17</a:t>
+              <a:t>2020/9/24</a:t>
             </a:fld>
             <a:endParaRPr lang="zh-TW" altLang="en-US"/>
           </a:p>
@@ -3450,14 +3455,14 @@
           <a:lstStyle/>
           <a:p>
             <a:r>
-              <a:rPr lang="en-US" altLang="zh-TW" sz="4800" b="1" dirty="0">
+              <a:rPr lang="en-US" altLang="zh-TW" sz="4000" b="1" dirty="0">
                 <a:solidFill>
                   <a:srgbClr val="FFFF00"/>
                 </a:solidFill>
               </a:rPr>
-              <a:t>1 Python Machine Learning</a:t>
-            </a:r>
-            <a:endParaRPr lang="zh-TW" altLang="en-US" sz="4800" b="1" dirty="0">
+              <a:t>1 Python Data Science, ML, and DL</a:t>
+            </a:r>
+            <a:endParaRPr lang="zh-TW" altLang="en-US" sz="4000" b="1" dirty="0">
               <a:solidFill>
                 <a:srgbClr val="FFFF00"/>
               </a:solidFill>
@@ -3513,7 +3518,7 @@
             <a:fld id="{C389EDC9-19E3-47AC-9C57-C6A24DEA81AD}" type="datetime1">
               <a:rPr lang="zh-TW" altLang="en-US" smtClean="0"/>
               <a:pPr/>
-              <a:t>2020/8/17</a:t>
+              <a:t>2020/9/24</a:t>
             </a:fld>
             <a:endParaRPr lang="zh-TW" altLang="en-US"/>
           </a:p>
@@ -3648,14 +3653,14 @@
           <a:p>
             <a:pPr algn="l"/>
             <a:r>
-              <a:rPr lang="en-US" altLang="zh-TW" b="1" dirty="0">
+              <a:rPr lang="en-US" altLang="zh-TW" sz="4000" b="1" dirty="0">
                 <a:solidFill>
                   <a:srgbClr val="FFFF00"/>
                 </a:solidFill>
               </a:rPr>
-              <a:t>1 Python Machine Learning</a:t>
-            </a:r>
-            <a:endParaRPr lang="zh-TW" altLang="en-US" b="1" dirty="0">
+              <a:t>1 Python Data Science, ML, and DL</a:t>
+            </a:r>
+            <a:endParaRPr lang="zh-TW" altLang="en-US" sz="4000" b="1" dirty="0">
               <a:solidFill>
                 <a:srgbClr val="FFFF00"/>
               </a:solidFill>
@@ -3675,8 +3680,8 @@
         </p:nvSpPr>
         <p:spPr>
           <a:xfrm>
-            <a:off x="467544" y="1268759"/>
-            <a:ext cx="3672408" cy="1656185"/>
+            <a:off x="467543" y="1268759"/>
+            <a:ext cx="8241831" cy="720082"/>
           </a:xfrm>
           <a:ln>
             <a:solidFill>
@@ -3704,8 +3709,23 @@
                   <a:schemeClr val="tx1"/>
                 </a:solidFill>
               </a:rPr>
-              <a:t>Recommender System, Spam classifier, Search Engine, Apache Spark, Handwriting Recognition, Sentiment (emotion) Analysis, and Artificial Intelligence.</a:t>
-            </a:r>
+              <a:t>Welcome to Data Science, ML (Machine Learning), and DL (Deep Learning) with Python.</a:t>
+            </a:r>
+          </a:p>
+          <a:p>
+            <a:pPr marL="342900" indent="-342900" algn="l">
+              <a:buClr>
+                <a:srgbClr val="0070C0"/>
+              </a:buClr>
+              <a:buSzPct val="80000"/>
+              <a:buFont typeface="Wingdings" pitchFamily="2" charset="2"/>
+              <a:buChar char="u"/>
+            </a:pPr>
+            <a:endParaRPr lang="en-US" sz="1800" b="1" dirty="0">
+              <a:solidFill>
+                <a:schemeClr val="tx1"/>
+              </a:solidFill>
+            </a:endParaRPr>
           </a:p>
         </p:txBody>
       </p:sp>
@@ -3754,7 +3774,7 @@
         </p:spPr>
         <p:txBody>
           <a:bodyPr vert="horz" lIns="91440" tIns="45720" rIns="91440" bIns="45720" rtlCol="0" anchor="ctr">
-            <a:normAutofit fontScale="77500" lnSpcReduction="20000"/>
+            <a:normAutofit/>
           </a:bodyPr>
           <a:lstStyle/>
           <a:p>
@@ -3764,10 +3784,8 @@
               </a:spcBef>
             </a:pPr>
             <a:r>
-              <a:rPr lang="en-US" sz="1600" dirty="0">
-                <a:hlinkClick r:id="rId2"/>
-              </a:rPr>
-              <a:t>https://www.udemy.com/course/data-science-and-machine-learning-with-python-hands-on/learn/lecture/4020038#overview</a:t>
+              <a:rPr lang="en-US" sz="1600" dirty="0"/>
+              <a:t>https://github.com/peterhchen/900_Python_ML_DS_DL</a:t>
             </a:r>
             <a:endParaRPr kumimoji="0" lang="zh-TW" altLang="en-US" sz="1600" b="0" i="0" u="none" strike="noStrike" kern="1200" cap="none" spc="0" normalizeH="0" baseline="0" noProof="0" dirty="0">
               <a:ln>
@@ -3804,7 +3822,7 @@
             <a:fld id="{A4F910E6-8D00-4BAF-8C48-9688E0B449D3}" type="datetime1">
               <a:rPr lang="zh-TW" altLang="en-US" smtClean="0"/>
               <a:pPr/>
-              <a:t>2020/8/17</a:t>
+              <a:t>2020/9/24</a:t>
             </a:fld>
             <a:endParaRPr lang="zh-TW" altLang="en-US"/>
           </a:p>
@@ -3849,7 +3867,7 @@
           <p:nvPr/>
         </p:nvPicPr>
         <p:blipFill>
-          <a:blip r:embed="rId3" cstate="print">
+          <a:blip r:embed="rId2" cstate="print">
             <a:extLst>
               <a:ext uri="{28A0092B-C50C-407E-A947-70E740481C1C}">
                 <a14:useLocalDpi xmlns:a14="http://schemas.microsoft.com/office/drawing/2010/main" val="0"/>
@@ -3863,8 +3881,8 @@
         </p:blipFill>
         <p:spPr bwMode="auto">
           <a:xfrm>
-            <a:off x="4572000" y="1318456"/>
-            <a:ext cx="4221088" cy="4221088"/>
+            <a:off x="3059832" y="2492896"/>
+            <a:ext cx="3359398" cy="3359398"/>
           </a:xfrm>
           <a:prstGeom prst="rect">
             <a:avLst/>
@@ -3923,6 +3941,1901 @@
         </p:nvSpPr>
         <p:spPr>
           <a:xfrm>
+            <a:off x="0" y="1"/>
+            <a:ext cx="9144000" cy="764704"/>
+          </a:xfrm>
+          <a:gradFill flip="none" rotWithShape="1">
+            <a:gsLst>
+              <a:gs pos="0">
+                <a:srgbClr val="C00000">
+                  <a:shade val="30000"/>
+                  <a:satMod val="115000"/>
+                </a:srgbClr>
+              </a:gs>
+              <a:gs pos="50000">
+                <a:srgbClr val="C00000">
+                  <a:shade val="67500"/>
+                  <a:satMod val="115000"/>
+                </a:srgbClr>
+              </a:gs>
+              <a:gs pos="100000">
+                <a:srgbClr val="C00000">
+                  <a:shade val="100000"/>
+                  <a:satMod val="115000"/>
+                </a:srgbClr>
+              </a:gs>
+            </a:gsLst>
+            <a:path path="circle">
+              <a:fillToRect t="100000" r="100000"/>
+            </a:path>
+            <a:tileRect l="-100000" b="-100000"/>
+          </a:gradFill>
+        </p:spPr>
+        <p:txBody>
+          <a:bodyPr>
+            <a:normAutofit/>
+          </a:bodyPr>
+          <a:lstStyle/>
+          <a:p>
+            <a:pPr algn="l"/>
+            <a:r>
+              <a:rPr lang="en-US" altLang="zh-TW" sz="4000" b="1" dirty="0">
+                <a:solidFill>
+                  <a:srgbClr val="FFFF00"/>
+                </a:solidFill>
+              </a:rPr>
+              <a:t>1 Python Data Science, ML, and DL</a:t>
+            </a:r>
+            <a:endParaRPr lang="zh-TW" altLang="en-US" sz="4000" b="1" dirty="0">
+              <a:solidFill>
+                <a:srgbClr val="FFFF00"/>
+              </a:solidFill>
+            </a:endParaRPr>
+          </a:p>
+        </p:txBody>
+      </p:sp>
+      <p:sp>
+        <p:nvSpPr>
+          <p:cNvPr id="3" name="副標題 2"/>
+          <p:cNvSpPr>
+            <a:spLocks noGrp="1"/>
+          </p:cNvSpPr>
+          <p:nvPr>
+            <p:ph type="subTitle" idx="1"/>
+          </p:nvPr>
+        </p:nvSpPr>
+        <p:spPr>
+          <a:xfrm>
+            <a:off x="467543" y="1268758"/>
+            <a:ext cx="8241831" cy="1885680"/>
+          </a:xfrm>
+          <a:ln>
+            <a:solidFill>
+              <a:srgbClr val="C00000"/>
+            </a:solidFill>
+          </a:ln>
+        </p:spPr>
+        <p:txBody>
+          <a:bodyPr>
+            <a:noAutofit/>
+          </a:bodyPr>
+          <a:lstStyle/>
+          <a:p>
+            <a:pPr marL="342900" indent="-342900" algn="l">
+              <a:buClr>
+                <a:srgbClr val="0070C0"/>
+              </a:buClr>
+              <a:buSzPct val="80000"/>
+              <a:buFont typeface="Wingdings" pitchFamily="2" charset="2"/>
+              <a:buChar char="u"/>
+            </a:pPr>
+            <a:r>
+              <a:rPr lang="en-US" sz="1800" b="1" dirty="0">
+                <a:solidFill>
+                  <a:schemeClr val="tx1"/>
+                </a:solidFill>
+              </a:rPr>
+              <a:t>Below diagram, we can see Data Science include math, statistics, visualization, EDA (Electronic Design Automation), and etc.</a:t>
+            </a:r>
+          </a:p>
+          <a:p>
+            <a:pPr marL="342900" indent="-342900" algn="l">
+              <a:buClr>
+                <a:srgbClr val="0070C0"/>
+              </a:buClr>
+              <a:buSzPct val="80000"/>
+              <a:buFont typeface="Wingdings" pitchFamily="2" charset="2"/>
+              <a:buChar char="u"/>
+            </a:pPr>
+            <a:r>
+              <a:rPr lang="en-US" sz="1800" b="1" dirty="0">
+                <a:solidFill>
+                  <a:schemeClr val="tx1"/>
+                </a:solidFill>
+              </a:rPr>
+              <a:t>Data Science is the fundamental for Artificial Intelligence, Machine Learning, and Deep Learning.</a:t>
+            </a:r>
+          </a:p>
+          <a:p>
+            <a:pPr marL="342900" indent="-342900" algn="l">
+              <a:buClr>
+                <a:srgbClr val="0070C0"/>
+              </a:buClr>
+              <a:buSzPct val="80000"/>
+              <a:buFont typeface="Wingdings" pitchFamily="2" charset="2"/>
+              <a:buChar char="u"/>
+            </a:pPr>
+            <a:r>
+              <a:rPr lang="en-US" sz="1800" b="1" dirty="0">
+                <a:solidFill>
+                  <a:schemeClr val="tx1"/>
+                </a:solidFill>
+              </a:rPr>
+              <a:t>Artificial Intelligence is the machine with cognitive function.</a:t>
+            </a:r>
+          </a:p>
+          <a:p>
+            <a:pPr marL="342900" indent="-342900" algn="l">
+              <a:buClr>
+                <a:srgbClr val="0070C0"/>
+              </a:buClr>
+              <a:buSzPct val="80000"/>
+              <a:buFont typeface="Wingdings" pitchFamily="2" charset="2"/>
+              <a:buChar char="u"/>
+            </a:pPr>
+            <a:r>
+              <a:rPr lang="en-US" sz="1800" b="1" dirty="0">
+                <a:solidFill>
+                  <a:schemeClr val="tx1"/>
+                </a:solidFill>
+              </a:rPr>
+              <a:t>Machine Learning build the math model with Data set.</a:t>
+            </a:r>
+          </a:p>
+          <a:p>
+            <a:pPr marL="342900" indent="-342900" algn="l">
+              <a:buClr>
+                <a:srgbClr val="0070C0"/>
+              </a:buClr>
+              <a:buSzPct val="80000"/>
+              <a:buFont typeface="Wingdings" pitchFamily="2" charset="2"/>
+              <a:buChar char="u"/>
+            </a:pPr>
+            <a:endParaRPr lang="en-US" sz="1800" b="1" dirty="0">
+              <a:solidFill>
+                <a:schemeClr val="tx1"/>
+              </a:solidFill>
+            </a:endParaRPr>
+          </a:p>
+        </p:txBody>
+      </p:sp>
+      <p:sp>
+        <p:nvSpPr>
+          <p:cNvPr id="4" name="標題 1"/>
+          <p:cNvSpPr txBox="1">
+            <a:spLocks/>
+          </p:cNvSpPr>
+          <p:nvPr/>
+        </p:nvSpPr>
+        <p:spPr>
+          <a:xfrm>
+            <a:off x="0" y="764704"/>
+            <a:ext cx="9144000" cy="360040"/>
+          </a:xfrm>
+          <a:prstGeom prst="rect">
+            <a:avLst/>
+          </a:prstGeom>
+          <a:gradFill flip="none" rotWithShape="1">
+            <a:gsLst>
+              <a:gs pos="0">
+                <a:srgbClr val="00B0F0">
+                  <a:shade val="30000"/>
+                  <a:satMod val="115000"/>
+                </a:srgbClr>
+              </a:gs>
+              <a:gs pos="50000">
+                <a:srgbClr val="00B0F0">
+                  <a:shade val="67500"/>
+                  <a:satMod val="115000"/>
+                </a:srgbClr>
+              </a:gs>
+              <a:gs pos="100000">
+                <a:srgbClr val="00B0F0">
+                  <a:shade val="100000"/>
+                  <a:satMod val="115000"/>
+                </a:srgbClr>
+              </a:gs>
+            </a:gsLst>
+            <a:path path="circle">
+              <a:fillToRect t="100000" r="100000"/>
+            </a:path>
+            <a:tileRect l="-100000" b="-100000"/>
+          </a:gradFill>
+        </p:spPr>
+        <p:txBody>
+          <a:bodyPr vert="horz" lIns="91440" tIns="45720" rIns="91440" bIns="45720" rtlCol="0" anchor="ctr">
+            <a:normAutofit/>
+          </a:bodyPr>
+          <a:lstStyle/>
+          <a:p>
+            <a:pPr lvl="0">
+              <a:spcBef>
+                <a:spcPct val="0"/>
+              </a:spcBef>
+            </a:pPr>
+            <a:r>
+              <a:rPr lang="en-US" sz="1600" dirty="0"/>
+              <a:t>https://github.com/peterhchen/900_Python_ML_DS_DL</a:t>
+            </a:r>
+            <a:endParaRPr kumimoji="0" lang="zh-TW" altLang="en-US" sz="1600" b="0" i="0" u="none" strike="noStrike" kern="1200" cap="none" spc="0" normalizeH="0" baseline="0" noProof="0" dirty="0">
+              <a:ln>
+                <a:noFill/>
+              </a:ln>
+              <a:solidFill>
+                <a:schemeClr val="tx1"/>
+              </a:solidFill>
+              <a:effectLst/>
+              <a:uLnTx/>
+              <a:uFillTx/>
+              <a:latin typeface="+mj-lt"/>
+              <a:ea typeface="+mj-ea"/>
+              <a:cs typeface="+mj-cs"/>
+            </a:endParaRPr>
+          </a:p>
+        </p:txBody>
+      </p:sp>
+      <p:sp>
+        <p:nvSpPr>
+          <p:cNvPr id="5" name="日期版面配置區 4"/>
+          <p:cNvSpPr>
+            <a:spLocks noGrp="1"/>
+          </p:cNvSpPr>
+          <p:nvPr>
+            <p:ph type="dt" sz="half" idx="10"/>
+          </p:nvPr>
+        </p:nvSpPr>
+        <p:spPr/>
+        <p:txBody>
+          <a:bodyPr/>
+          <a:lstStyle/>
+          <a:p>
+            <a:fld id="{A4F910E6-8D00-4BAF-8C48-9688E0B449D3}" type="datetime1">
+              <a:rPr lang="zh-TW" altLang="en-US" smtClean="0"/>
+              <a:pPr/>
+              <a:t>2020/9/24</a:t>
+            </a:fld>
+            <a:endParaRPr lang="zh-TW" altLang="en-US"/>
+          </a:p>
+        </p:txBody>
+      </p:sp>
+      <p:sp>
+        <p:nvSpPr>
+          <p:cNvPr id="6" name="投影片編號版面配置區 5"/>
+          <p:cNvSpPr>
+            <a:spLocks noGrp="1"/>
+          </p:cNvSpPr>
+          <p:nvPr>
+            <p:ph type="sldNum" sz="quarter" idx="12"/>
+          </p:nvPr>
+        </p:nvSpPr>
+        <p:spPr/>
+        <p:txBody>
+          <a:bodyPr/>
+          <a:lstStyle/>
+          <a:p>
+            <a:fld id="{E4D7E63D-91F2-4366-A2C4-1B00C9E2590E}" type="slidenum">
+              <a:rPr lang="zh-TW" altLang="en-US" smtClean="0"/>
+              <a:pPr/>
+              <a:t>3</a:t>
+            </a:fld>
+            <a:endParaRPr lang="zh-TW" altLang="en-US"/>
+          </a:p>
+        </p:txBody>
+      </p:sp>
+      <p:pic>
+        <p:nvPicPr>
+          <p:cNvPr id="7" name="Picture 2" descr="How are AI, Machine Learning, Deep Learning &amp; Data Science Related?">
+            <a:extLst>
+              <a:ext uri="{FF2B5EF4-FFF2-40B4-BE49-F238E27FC236}">
+                <a16:creationId xmlns:a16="http://schemas.microsoft.com/office/drawing/2014/main" id="{5D362992-2C29-4155-9236-8DAE1A5604C4}"/>
+              </a:ext>
+            </a:extLst>
+          </p:cNvPr>
+          <p:cNvPicPr>
+            <a:picLocks noChangeAspect="1" noChangeArrowheads="1"/>
+          </p:cNvPicPr>
+          <p:nvPr/>
+        </p:nvPicPr>
+        <p:blipFill>
+          <a:blip r:embed="rId2" cstate="print">
+            <a:extLst>
+              <a:ext uri="{28A0092B-C50C-407E-A947-70E740481C1C}">
+                <a14:useLocalDpi xmlns:a14="http://schemas.microsoft.com/office/drawing/2010/main" val="0"/>
+              </a:ext>
+            </a:extLst>
+          </a:blip>
+          <a:srcRect/>
+          <a:stretch>
+            <a:fillRect/>
+          </a:stretch>
+        </p:blipFill>
+        <p:spPr bwMode="auto">
+          <a:xfrm>
+            <a:off x="5436096" y="3154438"/>
+            <a:ext cx="3359398" cy="3359398"/>
+          </a:xfrm>
+          <a:prstGeom prst="rect">
+            <a:avLst/>
+          </a:prstGeom>
+          <a:noFill/>
+          <a:ln>
+            <a:solidFill>
+              <a:srgbClr val="C00000"/>
+            </a:solidFill>
+          </a:ln>
+          <a:extLst>
+            <a:ext uri="{909E8E84-426E-40DD-AFC4-6F175D3DCCD1}">
+              <a14:hiddenFill xmlns:a14="http://schemas.microsoft.com/office/drawing/2010/main">
+                <a:solidFill>
+                  <a:srgbClr val="FFFFFF"/>
+                </a:solidFill>
+              </a14:hiddenFill>
+            </a:ext>
+          </a:extLst>
+        </p:spPr>
+      </p:pic>
+    </p:spTree>
+    <p:extLst>
+      <p:ext uri="{BB962C8B-B14F-4D97-AF65-F5344CB8AC3E}">
+        <p14:creationId xmlns:p14="http://schemas.microsoft.com/office/powerpoint/2010/main" val="3327016651"/>
+      </p:ext>
+    </p:extLst>
+  </p:cSld>
+  <p:clrMapOvr>
+    <a:masterClrMapping/>
+  </p:clrMapOvr>
+</p:sld>
+</file>
+
+<file path=ppt/slides/slide4.xml><?xml version="1.0" encoding="utf-8"?>
+<p:sld xmlns:a="http://schemas.openxmlformats.org/drawingml/2006/main" xmlns:r="http://schemas.openxmlformats.org/officeDocument/2006/relationships" xmlns:p="http://schemas.openxmlformats.org/presentationml/2006/main">
+  <p:cSld>
+    <p:spTree>
+      <p:nvGrpSpPr>
+        <p:cNvPr id="1" name=""/>
+        <p:cNvGrpSpPr/>
+        <p:nvPr/>
+      </p:nvGrpSpPr>
+      <p:grpSpPr>
+        <a:xfrm>
+          <a:off x="0" y="0"/>
+          <a:ext cx="0" cy="0"/>
+          <a:chOff x="0" y="0"/>
+          <a:chExt cx="0" cy="0"/>
+        </a:xfrm>
+      </p:grpSpPr>
+      <p:sp>
+        <p:nvSpPr>
+          <p:cNvPr id="2" name="標題 1"/>
+          <p:cNvSpPr>
+            <a:spLocks noGrp="1"/>
+          </p:cNvSpPr>
+          <p:nvPr>
+            <p:ph type="ctrTitle"/>
+          </p:nvPr>
+        </p:nvSpPr>
+        <p:spPr>
+          <a:xfrm>
+            <a:off x="0" y="1"/>
+            <a:ext cx="9144000" cy="764704"/>
+          </a:xfrm>
+          <a:gradFill flip="none" rotWithShape="1">
+            <a:gsLst>
+              <a:gs pos="0">
+                <a:srgbClr val="C00000">
+                  <a:shade val="30000"/>
+                  <a:satMod val="115000"/>
+                </a:srgbClr>
+              </a:gs>
+              <a:gs pos="50000">
+                <a:srgbClr val="C00000">
+                  <a:shade val="67500"/>
+                  <a:satMod val="115000"/>
+                </a:srgbClr>
+              </a:gs>
+              <a:gs pos="100000">
+                <a:srgbClr val="C00000">
+                  <a:shade val="100000"/>
+                  <a:satMod val="115000"/>
+                </a:srgbClr>
+              </a:gs>
+            </a:gsLst>
+            <a:path path="circle">
+              <a:fillToRect t="100000" r="100000"/>
+            </a:path>
+            <a:tileRect l="-100000" b="-100000"/>
+          </a:gradFill>
+        </p:spPr>
+        <p:txBody>
+          <a:bodyPr>
+            <a:normAutofit/>
+          </a:bodyPr>
+          <a:lstStyle/>
+          <a:p>
+            <a:pPr algn="l"/>
+            <a:r>
+              <a:rPr lang="en-US" altLang="zh-TW" sz="4000" b="1" dirty="0">
+                <a:solidFill>
+                  <a:srgbClr val="FFFF00"/>
+                </a:solidFill>
+              </a:rPr>
+              <a:t>1 Python Data Science, ML, and DL</a:t>
+            </a:r>
+            <a:endParaRPr lang="zh-TW" altLang="en-US" sz="4000" b="1" dirty="0">
+              <a:solidFill>
+                <a:srgbClr val="FFFF00"/>
+              </a:solidFill>
+            </a:endParaRPr>
+          </a:p>
+        </p:txBody>
+      </p:sp>
+      <p:sp>
+        <p:nvSpPr>
+          <p:cNvPr id="3" name="副標題 2"/>
+          <p:cNvSpPr>
+            <a:spLocks noGrp="1"/>
+          </p:cNvSpPr>
+          <p:nvPr>
+            <p:ph type="subTitle" idx="1"/>
+          </p:nvPr>
+        </p:nvSpPr>
+        <p:spPr>
+          <a:xfrm>
+            <a:off x="467543" y="1268757"/>
+            <a:ext cx="8241831" cy="1790373"/>
+          </a:xfrm>
+          <a:ln>
+            <a:solidFill>
+              <a:srgbClr val="C00000"/>
+            </a:solidFill>
+          </a:ln>
+        </p:spPr>
+        <p:txBody>
+          <a:bodyPr>
+            <a:noAutofit/>
+          </a:bodyPr>
+          <a:lstStyle/>
+          <a:p>
+            <a:pPr marL="342900" indent="-342900" algn="l">
+              <a:buClr>
+                <a:srgbClr val="0070C0"/>
+              </a:buClr>
+              <a:buSzPct val="80000"/>
+              <a:buFont typeface="Wingdings" pitchFamily="2" charset="2"/>
+              <a:buChar char="u"/>
+            </a:pPr>
+            <a:r>
+              <a:rPr lang="en-US" sz="1800" b="1" dirty="0">
+                <a:solidFill>
+                  <a:schemeClr val="tx1"/>
+                </a:solidFill>
+              </a:rPr>
+              <a:t>In Deep Learning, we build mathematical model by ANN (Artificial Neural Network) to solve very complicated problems. </a:t>
+            </a:r>
+          </a:p>
+          <a:p>
+            <a:pPr marL="342900" indent="-342900" algn="l">
+              <a:buClr>
+                <a:srgbClr val="0070C0"/>
+              </a:buClr>
+              <a:buSzPct val="80000"/>
+              <a:buFont typeface="Wingdings" pitchFamily="2" charset="2"/>
+              <a:buChar char="u"/>
+            </a:pPr>
+            <a:r>
+              <a:rPr lang="en-US" sz="1800" b="1" dirty="0">
+                <a:solidFill>
+                  <a:schemeClr val="tx1"/>
+                </a:solidFill>
+              </a:rPr>
+              <a:t>We can not use matrix inversion for solving very complicated problem. Instead, we use neurons, gradient descent, and backpropagation to replace the matrix inversion. </a:t>
+            </a:r>
+          </a:p>
+          <a:p>
+            <a:pPr marL="342900" indent="-342900" algn="l">
+              <a:buClr>
+                <a:srgbClr val="0070C0"/>
+              </a:buClr>
+              <a:buSzPct val="80000"/>
+              <a:buFont typeface="Wingdings" pitchFamily="2" charset="2"/>
+              <a:buChar char="u"/>
+            </a:pPr>
+            <a:r>
+              <a:rPr lang="en-US" sz="1800" b="1" dirty="0">
+                <a:solidFill>
+                  <a:schemeClr val="tx1"/>
+                </a:solidFill>
+              </a:rPr>
+              <a:t>If more than 2 layers of hidden layers, we call Deep Learning. </a:t>
+            </a:r>
+          </a:p>
+        </p:txBody>
+      </p:sp>
+      <p:sp>
+        <p:nvSpPr>
+          <p:cNvPr id="4" name="標題 1"/>
+          <p:cNvSpPr txBox="1">
+            <a:spLocks/>
+          </p:cNvSpPr>
+          <p:nvPr/>
+        </p:nvSpPr>
+        <p:spPr>
+          <a:xfrm>
+            <a:off x="0" y="764704"/>
+            <a:ext cx="9144000" cy="360040"/>
+          </a:xfrm>
+          <a:prstGeom prst="rect">
+            <a:avLst/>
+          </a:prstGeom>
+          <a:gradFill flip="none" rotWithShape="1">
+            <a:gsLst>
+              <a:gs pos="0">
+                <a:srgbClr val="00B0F0">
+                  <a:shade val="30000"/>
+                  <a:satMod val="115000"/>
+                </a:srgbClr>
+              </a:gs>
+              <a:gs pos="50000">
+                <a:srgbClr val="00B0F0">
+                  <a:shade val="67500"/>
+                  <a:satMod val="115000"/>
+                </a:srgbClr>
+              </a:gs>
+              <a:gs pos="100000">
+                <a:srgbClr val="00B0F0">
+                  <a:shade val="100000"/>
+                  <a:satMod val="115000"/>
+                </a:srgbClr>
+              </a:gs>
+            </a:gsLst>
+            <a:path path="circle">
+              <a:fillToRect t="100000" r="100000"/>
+            </a:path>
+            <a:tileRect l="-100000" b="-100000"/>
+          </a:gradFill>
+        </p:spPr>
+        <p:txBody>
+          <a:bodyPr vert="horz" lIns="91440" tIns="45720" rIns="91440" bIns="45720" rtlCol="0" anchor="ctr">
+            <a:normAutofit/>
+          </a:bodyPr>
+          <a:lstStyle/>
+          <a:p>
+            <a:pPr lvl="0">
+              <a:spcBef>
+                <a:spcPct val="0"/>
+              </a:spcBef>
+            </a:pPr>
+            <a:r>
+              <a:rPr lang="en-US" sz="1600" dirty="0"/>
+              <a:t>https://github.com/peterhchen/900_Python_ML_DS_DL</a:t>
+            </a:r>
+            <a:endParaRPr kumimoji="0" lang="zh-TW" altLang="en-US" sz="1600" b="0" i="0" u="none" strike="noStrike" kern="1200" cap="none" spc="0" normalizeH="0" baseline="0" noProof="0" dirty="0">
+              <a:ln>
+                <a:noFill/>
+              </a:ln>
+              <a:solidFill>
+                <a:schemeClr val="tx1"/>
+              </a:solidFill>
+              <a:effectLst/>
+              <a:uLnTx/>
+              <a:uFillTx/>
+              <a:latin typeface="+mj-lt"/>
+              <a:ea typeface="+mj-ea"/>
+              <a:cs typeface="+mj-cs"/>
+            </a:endParaRPr>
+          </a:p>
+        </p:txBody>
+      </p:sp>
+      <p:sp>
+        <p:nvSpPr>
+          <p:cNvPr id="5" name="日期版面配置區 4"/>
+          <p:cNvSpPr>
+            <a:spLocks noGrp="1"/>
+          </p:cNvSpPr>
+          <p:nvPr>
+            <p:ph type="dt" sz="half" idx="10"/>
+          </p:nvPr>
+        </p:nvSpPr>
+        <p:spPr/>
+        <p:txBody>
+          <a:bodyPr/>
+          <a:lstStyle/>
+          <a:p>
+            <a:fld id="{A4F910E6-8D00-4BAF-8C48-9688E0B449D3}" type="datetime1">
+              <a:rPr lang="zh-TW" altLang="en-US" smtClean="0"/>
+              <a:pPr/>
+              <a:t>2020/9/24</a:t>
+            </a:fld>
+            <a:endParaRPr lang="zh-TW" altLang="en-US"/>
+          </a:p>
+        </p:txBody>
+      </p:sp>
+      <p:sp>
+        <p:nvSpPr>
+          <p:cNvPr id="6" name="投影片編號版面配置區 5"/>
+          <p:cNvSpPr>
+            <a:spLocks noGrp="1"/>
+          </p:cNvSpPr>
+          <p:nvPr>
+            <p:ph type="sldNum" sz="quarter" idx="12"/>
+          </p:nvPr>
+        </p:nvSpPr>
+        <p:spPr/>
+        <p:txBody>
+          <a:bodyPr/>
+          <a:lstStyle/>
+          <a:p>
+            <a:fld id="{E4D7E63D-91F2-4366-A2C4-1B00C9E2590E}" type="slidenum">
+              <a:rPr lang="zh-TW" altLang="en-US" smtClean="0"/>
+              <a:pPr/>
+              <a:t>4</a:t>
+            </a:fld>
+            <a:endParaRPr lang="zh-TW" altLang="en-US"/>
+          </a:p>
+        </p:txBody>
+      </p:sp>
+      <p:pic>
+        <p:nvPicPr>
+          <p:cNvPr id="1028" name="Picture 4" descr="Deep Learning: How Will It Change Healthcare? – OrboGraph">
+            <a:extLst>
+              <a:ext uri="{FF2B5EF4-FFF2-40B4-BE49-F238E27FC236}">
+                <a16:creationId xmlns:a16="http://schemas.microsoft.com/office/drawing/2014/main" id="{0C80D31E-DF14-4006-8726-E4FB95536557}"/>
+              </a:ext>
+            </a:extLst>
+          </p:cNvPr>
+          <p:cNvPicPr>
+            <a:picLocks noChangeAspect="1" noChangeArrowheads="1"/>
+          </p:cNvPicPr>
+          <p:nvPr/>
+        </p:nvPicPr>
+        <p:blipFill>
+          <a:blip r:embed="rId2">
+            <a:extLst>
+              <a:ext uri="{28A0092B-C50C-407E-A947-70E740481C1C}">
+                <a14:useLocalDpi xmlns:a14="http://schemas.microsoft.com/office/drawing/2010/main" val="0"/>
+              </a:ext>
+            </a:extLst>
+          </a:blip>
+          <a:srcRect/>
+          <a:stretch>
+            <a:fillRect/>
+          </a:stretch>
+        </p:blipFill>
+        <p:spPr bwMode="auto">
+          <a:xfrm>
+            <a:off x="2445730" y="3243699"/>
+            <a:ext cx="4285456" cy="2968075"/>
+          </a:xfrm>
+          <a:prstGeom prst="rect">
+            <a:avLst/>
+          </a:prstGeom>
+          <a:noFill/>
+          <a:ln>
+            <a:solidFill>
+              <a:srgbClr val="C00000"/>
+            </a:solidFill>
+          </a:ln>
+          <a:extLst>
+            <a:ext uri="{909E8E84-426E-40DD-AFC4-6F175D3DCCD1}">
+              <a14:hiddenFill xmlns:a14="http://schemas.microsoft.com/office/drawing/2010/main">
+                <a:solidFill>
+                  <a:srgbClr val="FFFFFF"/>
+                </a:solidFill>
+              </a14:hiddenFill>
+            </a:ext>
+          </a:extLst>
+        </p:spPr>
+      </p:pic>
+    </p:spTree>
+    <p:extLst>
+      <p:ext uri="{BB962C8B-B14F-4D97-AF65-F5344CB8AC3E}">
+        <p14:creationId xmlns:p14="http://schemas.microsoft.com/office/powerpoint/2010/main" val="186999713"/>
+      </p:ext>
+    </p:extLst>
+  </p:cSld>
+  <p:clrMapOvr>
+    <a:masterClrMapping/>
+  </p:clrMapOvr>
+</p:sld>
+</file>
+
+<file path=ppt/slides/slide5.xml><?xml version="1.0" encoding="utf-8"?>
+<p:sld xmlns:a="http://schemas.openxmlformats.org/drawingml/2006/main" xmlns:r="http://schemas.openxmlformats.org/officeDocument/2006/relationships" xmlns:p="http://schemas.openxmlformats.org/presentationml/2006/main">
+  <p:cSld>
+    <p:spTree>
+      <p:nvGrpSpPr>
+        <p:cNvPr id="1" name=""/>
+        <p:cNvGrpSpPr/>
+        <p:nvPr/>
+      </p:nvGrpSpPr>
+      <p:grpSpPr>
+        <a:xfrm>
+          <a:off x="0" y="0"/>
+          <a:ext cx="0" cy="0"/>
+          <a:chOff x="0" y="0"/>
+          <a:chExt cx="0" cy="0"/>
+        </a:xfrm>
+      </p:grpSpPr>
+      <p:sp>
+        <p:nvSpPr>
+          <p:cNvPr id="2" name="標題 1"/>
+          <p:cNvSpPr>
+            <a:spLocks noGrp="1"/>
+          </p:cNvSpPr>
+          <p:nvPr>
+            <p:ph type="ctrTitle"/>
+          </p:nvPr>
+        </p:nvSpPr>
+        <p:spPr>
+          <a:xfrm>
+            <a:off x="0" y="1"/>
+            <a:ext cx="9144000" cy="764704"/>
+          </a:xfrm>
+          <a:gradFill flip="none" rotWithShape="1">
+            <a:gsLst>
+              <a:gs pos="0">
+                <a:srgbClr val="C00000">
+                  <a:shade val="30000"/>
+                  <a:satMod val="115000"/>
+                </a:srgbClr>
+              </a:gs>
+              <a:gs pos="50000">
+                <a:srgbClr val="C00000">
+                  <a:shade val="67500"/>
+                  <a:satMod val="115000"/>
+                </a:srgbClr>
+              </a:gs>
+              <a:gs pos="100000">
+                <a:srgbClr val="C00000">
+                  <a:shade val="100000"/>
+                  <a:satMod val="115000"/>
+                </a:srgbClr>
+              </a:gs>
+            </a:gsLst>
+            <a:path path="circle">
+              <a:fillToRect t="100000" r="100000"/>
+            </a:path>
+            <a:tileRect l="-100000" b="-100000"/>
+          </a:gradFill>
+        </p:spPr>
+        <p:txBody>
+          <a:bodyPr>
+            <a:normAutofit/>
+          </a:bodyPr>
+          <a:lstStyle/>
+          <a:p>
+            <a:pPr algn="l"/>
+            <a:r>
+              <a:rPr lang="en-US" altLang="zh-TW" sz="4000" b="1" dirty="0">
+                <a:solidFill>
+                  <a:srgbClr val="FFFF00"/>
+                </a:solidFill>
+              </a:rPr>
+              <a:t>1 Python Data Science, ML, and DL</a:t>
+            </a:r>
+            <a:endParaRPr lang="zh-TW" altLang="en-US" sz="4000" b="1" dirty="0">
+              <a:solidFill>
+                <a:srgbClr val="FFFF00"/>
+              </a:solidFill>
+            </a:endParaRPr>
+          </a:p>
+        </p:txBody>
+      </p:sp>
+      <p:sp>
+        <p:nvSpPr>
+          <p:cNvPr id="3" name="副標題 2"/>
+          <p:cNvSpPr>
+            <a:spLocks noGrp="1"/>
+          </p:cNvSpPr>
+          <p:nvPr>
+            <p:ph type="subTitle" idx="1"/>
+          </p:nvPr>
+        </p:nvSpPr>
+        <p:spPr>
+          <a:xfrm>
+            <a:off x="467543" y="1268757"/>
+            <a:ext cx="8241831" cy="2376267"/>
+          </a:xfrm>
+          <a:ln>
+            <a:solidFill>
+              <a:srgbClr val="C00000"/>
+            </a:solidFill>
+          </a:ln>
+        </p:spPr>
+        <p:txBody>
+          <a:bodyPr>
+            <a:noAutofit/>
+          </a:bodyPr>
+          <a:lstStyle/>
+          <a:p>
+            <a:pPr marL="342900" indent="-342900" algn="l">
+              <a:buClr>
+                <a:srgbClr val="0070C0"/>
+              </a:buClr>
+              <a:buSzPct val="80000"/>
+              <a:buFont typeface="Wingdings" pitchFamily="2" charset="2"/>
+              <a:buChar char="u"/>
+            </a:pPr>
+            <a:r>
+              <a:rPr lang="en-US" sz="1800" b="1" dirty="0">
+                <a:solidFill>
+                  <a:schemeClr val="tx1"/>
+                </a:solidFill>
+              </a:rPr>
+              <a:t>Among the Deep Learning frameworks, Google Tensorflow and Facebook Pytorch frameworks are the most famous ones.</a:t>
+            </a:r>
+          </a:p>
+          <a:p>
+            <a:pPr marL="342900" indent="-342900" algn="l">
+              <a:buClr>
+                <a:srgbClr val="0070C0"/>
+              </a:buClr>
+              <a:buSzPct val="80000"/>
+              <a:buFont typeface="Wingdings" pitchFamily="2" charset="2"/>
+              <a:buChar char="u"/>
+            </a:pPr>
+            <a:r>
+              <a:rPr lang="en-US" sz="1800" b="1" dirty="0">
+                <a:solidFill>
+                  <a:schemeClr val="tx1"/>
+                </a:solidFill>
+              </a:rPr>
+              <a:t>In Deep Learning, Tensorflow and Pytorch replace the Apache Spark for in-memory processing (instead of Hadoop map-reduce in disk) and distributed computing.</a:t>
+            </a:r>
+          </a:p>
+          <a:p>
+            <a:pPr marL="342900" indent="-342900" algn="l">
+              <a:buClr>
+                <a:srgbClr val="0070C0"/>
+              </a:buClr>
+              <a:buSzPct val="80000"/>
+              <a:buFont typeface="Wingdings" pitchFamily="2" charset="2"/>
+              <a:buChar char="u"/>
+            </a:pPr>
+            <a:r>
+              <a:rPr lang="en-US" sz="1800" b="1" dirty="0">
+                <a:solidFill>
+                  <a:schemeClr val="tx1"/>
+                </a:solidFill>
+              </a:rPr>
+              <a:t>PyTorch is famous for dynamic graph, R&amp;D and firmware prototyping versus TensorFlow in static graph and product release.  </a:t>
+            </a:r>
+          </a:p>
+        </p:txBody>
+      </p:sp>
+      <p:sp>
+        <p:nvSpPr>
+          <p:cNvPr id="4" name="標題 1"/>
+          <p:cNvSpPr txBox="1">
+            <a:spLocks/>
+          </p:cNvSpPr>
+          <p:nvPr/>
+        </p:nvSpPr>
+        <p:spPr>
+          <a:xfrm>
+            <a:off x="0" y="764704"/>
+            <a:ext cx="9144000" cy="360040"/>
+          </a:xfrm>
+          <a:prstGeom prst="rect">
+            <a:avLst/>
+          </a:prstGeom>
+          <a:gradFill flip="none" rotWithShape="1">
+            <a:gsLst>
+              <a:gs pos="0">
+                <a:srgbClr val="00B0F0">
+                  <a:shade val="30000"/>
+                  <a:satMod val="115000"/>
+                </a:srgbClr>
+              </a:gs>
+              <a:gs pos="50000">
+                <a:srgbClr val="00B0F0">
+                  <a:shade val="67500"/>
+                  <a:satMod val="115000"/>
+                </a:srgbClr>
+              </a:gs>
+              <a:gs pos="100000">
+                <a:srgbClr val="00B0F0">
+                  <a:shade val="100000"/>
+                  <a:satMod val="115000"/>
+                </a:srgbClr>
+              </a:gs>
+            </a:gsLst>
+            <a:path path="circle">
+              <a:fillToRect t="100000" r="100000"/>
+            </a:path>
+            <a:tileRect l="-100000" b="-100000"/>
+          </a:gradFill>
+        </p:spPr>
+        <p:txBody>
+          <a:bodyPr vert="horz" lIns="91440" tIns="45720" rIns="91440" bIns="45720" rtlCol="0" anchor="ctr">
+            <a:normAutofit/>
+          </a:bodyPr>
+          <a:lstStyle/>
+          <a:p>
+            <a:pPr lvl="0">
+              <a:spcBef>
+                <a:spcPct val="0"/>
+              </a:spcBef>
+            </a:pPr>
+            <a:r>
+              <a:rPr lang="en-US" sz="1600" dirty="0"/>
+              <a:t>https://github.com/peterhchen/900_Python_ML_DS_DL</a:t>
+            </a:r>
+            <a:endParaRPr kumimoji="0" lang="zh-TW" altLang="en-US" sz="1600" b="0" i="0" u="none" strike="noStrike" kern="1200" cap="none" spc="0" normalizeH="0" baseline="0" noProof="0" dirty="0">
+              <a:ln>
+                <a:noFill/>
+              </a:ln>
+              <a:solidFill>
+                <a:schemeClr val="tx1"/>
+              </a:solidFill>
+              <a:effectLst/>
+              <a:uLnTx/>
+              <a:uFillTx/>
+              <a:latin typeface="+mj-lt"/>
+              <a:ea typeface="+mj-ea"/>
+              <a:cs typeface="+mj-cs"/>
+            </a:endParaRPr>
+          </a:p>
+        </p:txBody>
+      </p:sp>
+      <p:sp>
+        <p:nvSpPr>
+          <p:cNvPr id="5" name="日期版面配置區 4"/>
+          <p:cNvSpPr>
+            <a:spLocks noGrp="1"/>
+          </p:cNvSpPr>
+          <p:nvPr>
+            <p:ph type="dt" sz="half" idx="10"/>
+          </p:nvPr>
+        </p:nvSpPr>
+        <p:spPr/>
+        <p:txBody>
+          <a:bodyPr/>
+          <a:lstStyle/>
+          <a:p>
+            <a:fld id="{A4F910E6-8D00-4BAF-8C48-9688E0B449D3}" type="datetime1">
+              <a:rPr lang="zh-TW" altLang="en-US" smtClean="0"/>
+              <a:pPr/>
+              <a:t>2020/9/24</a:t>
+            </a:fld>
+            <a:endParaRPr lang="zh-TW" altLang="en-US"/>
+          </a:p>
+        </p:txBody>
+      </p:sp>
+      <p:sp>
+        <p:nvSpPr>
+          <p:cNvPr id="6" name="投影片編號版面配置區 5"/>
+          <p:cNvSpPr>
+            <a:spLocks noGrp="1"/>
+          </p:cNvSpPr>
+          <p:nvPr>
+            <p:ph type="sldNum" sz="quarter" idx="12"/>
+          </p:nvPr>
+        </p:nvSpPr>
+        <p:spPr/>
+        <p:txBody>
+          <a:bodyPr/>
+          <a:lstStyle/>
+          <a:p>
+            <a:fld id="{E4D7E63D-91F2-4366-A2C4-1B00C9E2590E}" type="slidenum">
+              <a:rPr lang="zh-TW" altLang="en-US" smtClean="0"/>
+              <a:pPr/>
+              <a:t>5</a:t>
+            </a:fld>
+            <a:endParaRPr lang="zh-TW" altLang="en-US"/>
+          </a:p>
+        </p:txBody>
+      </p:sp>
+      <p:pic>
+        <p:nvPicPr>
+          <p:cNvPr id="1026" name="Picture 2" descr="Difference between PyTorch and TensorFlow - javatpoint">
+            <a:extLst>
+              <a:ext uri="{FF2B5EF4-FFF2-40B4-BE49-F238E27FC236}">
+                <a16:creationId xmlns:a16="http://schemas.microsoft.com/office/drawing/2014/main" id="{6BDAAF2D-D25E-4D9B-9A2C-264C3FCE15C1}"/>
+              </a:ext>
+            </a:extLst>
+          </p:cNvPr>
+          <p:cNvPicPr>
+            <a:picLocks noChangeAspect="1" noChangeArrowheads="1"/>
+          </p:cNvPicPr>
+          <p:nvPr/>
+        </p:nvPicPr>
+        <p:blipFill>
+          <a:blip r:embed="rId2">
+            <a:extLst>
+              <a:ext uri="{28A0092B-C50C-407E-A947-70E740481C1C}">
+                <a14:useLocalDpi xmlns:a14="http://schemas.microsoft.com/office/drawing/2010/main" val="0"/>
+              </a:ext>
+            </a:extLst>
+          </a:blip>
+          <a:srcRect/>
+          <a:stretch>
+            <a:fillRect/>
+          </a:stretch>
+        </p:blipFill>
+        <p:spPr bwMode="auto">
+          <a:xfrm>
+            <a:off x="2699792" y="3851129"/>
+            <a:ext cx="4305040" cy="2483677"/>
+          </a:xfrm>
+          <a:prstGeom prst="rect">
+            <a:avLst/>
+          </a:prstGeom>
+          <a:noFill/>
+          <a:ln>
+            <a:solidFill>
+              <a:srgbClr val="C00000"/>
+            </a:solidFill>
+          </a:ln>
+          <a:extLst>
+            <a:ext uri="{909E8E84-426E-40DD-AFC4-6F175D3DCCD1}">
+              <a14:hiddenFill xmlns:a14="http://schemas.microsoft.com/office/drawing/2010/main">
+                <a:solidFill>
+                  <a:srgbClr val="FFFFFF"/>
+                </a:solidFill>
+              </a14:hiddenFill>
+            </a:ext>
+          </a:extLst>
+        </p:spPr>
+      </p:pic>
+    </p:spTree>
+    <p:extLst>
+      <p:ext uri="{BB962C8B-B14F-4D97-AF65-F5344CB8AC3E}">
+        <p14:creationId xmlns:p14="http://schemas.microsoft.com/office/powerpoint/2010/main" val="538734145"/>
+      </p:ext>
+    </p:extLst>
+  </p:cSld>
+  <p:clrMapOvr>
+    <a:masterClrMapping/>
+  </p:clrMapOvr>
+</p:sld>
+</file>
+
+<file path=ppt/slides/slide6.xml><?xml version="1.0" encoding="utf-8"?>
+<p:sld xmlns:a="http://schemas.openxmlformats.org/drawingml/2006/main" xmlns:r="http://schemas.openxmlformats.org/officeDocument/2006/relationships" xmlns:p="http://schemas.openxmlformats.org/presentationml/2006/main">
+  <p:cSld>
+    <p:spTree>
+      <p:nvGrpSpPr>
+        <p:cNvPr id="1" name=""/>
+        <p:cNvGrpSpPr/>
+        <p:nvPr/>
+      </p:nvGrpSpPr>
+      <p:grpSpPr>
+        <a:xfrm>
+          <a:off x="0" y="0"/>
+          <a:ext cx="0" cy="0"/>
+          <a:chOff x="0" y="0"/>
+          <a:chExt cx="0" cy="0"/>
+        </a:xfrm>
+      </p:grpSpPr>
+      <p:sp>
+        <p:nvSpPr>
+          <p:cNvPr id="2" name="標題 1"/>
+          <p:cNvSpPr>
+            <a:spLocks noGrp="1"/>
+          </p:cNvSpPr>
+          <p:nvPr>
+            <p:ph type="ctrTitle"/>
+          </p:nvPr>
+        </p:nvSpPr>
+        <p:spPr>
+          <a:xfrm>
+            <a:off x="0" y="1"/>
+            <a:ext cx="9144000" cy="764704"/>
+          </a:xfrm>
+          <a:gradFill flip="none" rotWithShape="1">
+            <a:gsLst>
+              <a:gs pos="0">
+                <a:srgbClr val="C00000">
+                  <a:shade val="30000"/>
+                  <a:satMod val="115000"/>
+                </a:srgbClr>
+              </a:gs>
+              <a:gs pos="50000">
+                <a:srgbClr val="C00000">
+                  <a:shade val="67500"/>
+                  <a:satMod val="115000"/>
+                </a:srgbClr>
+              </a:gs>
+              <a:gs pos="100000">
+                <a:srgbClr val="C00000">
+                  <a:shade val="100000"/>
+                  <a:satMod val="115000"/>
+                </a:srgbClr>
+              </a:gs>
+            </a:gsLst>
+            <a:path path="circle">
+              <a:fillToRect t="100000" r="100000"/>
+            </a:path>
+            <a:tileRect l="-100000" b="-100000"/>
+          </a:gradFill>
+        </p:spPr>
+        <p:txBody>
+          <a:bodyPr>
+            <a:normAutofit/>
+          </a:bodyPr>
+          <a:lstStyle/>
+          <a:p>
+            <a:pPr algn="l"/>
+            <a:r>
+              <a:rPr lang="en-US" altLang="zh-TW" sz="4000" b="1" dirty="0">
+                <a:solidFill>
+                  <a:srgbClr val="FFFF00"/>
+                </a:solidFill>
+              </a:rPr>
+              <a:t>1 Python Data Science, ML, and DL</a:t>
+            </a:r>
+            <a:endParaRPr lang="zh-TW" altLang="en-US" sz="4000" b="1" dirty="0">
+              <a:solidFill>
+                <a:srgbClr val="FFFF00"/>
+              </a:solidFill>
+            </a:endParaRPr>
+          </a:p>
+        </p:txBody>
+      </p:sp>
+      <p:sp>
+        <p:nvSpPr>
+          <p:cNvPr id="3" name="副標題 2"/>
+          <p:cNvSpPr>
+            <a:spLocks noGrp="1"/>
+          </p:cNvSpPr>
+          <p:nvPr>
+            <p:ph type="subTitle" idx="1"/>
+          </p:nvPr>
+        </p:nvSpPr>
+        <p:spPr>
+          <a:xfrm>
+            <a:off x="467543" y="1268759"/>
+            <a:ext cx="8241831" cy="1080121"/>
+          </a:xfrm>
+          <a:ln>
+            <a:solidFill>
+              <a:srgbClr val="C00000"/>
+            </a:solidFill>
+          </a:ln>
+        </p:spPr>
+        <p:txBody>
+          <a:bodyPr>
+            <a:noAutofit/>
+          </a:bodyPr>
+          <a:lstStyle/>
+          <a:p>
+            <a:pPr marL="342900" indent="-342900" algn="l">
+              <a:buClr>
+                <a:srgbClr val="0070C0"/>
+              </a:buClr>
+              <a:buSzPct val="80000"/>
+              <a:buFont typeface="Wingdings" pitchFamily="2" charset="2"/>
+              <a:buChar char="u"/>
+            </a:pPr>
+            <a:r>
+              <a:rPr lang="en-US" sz="1800" b="1" dirty="0">
+                <a:solidFill>
+                  <a:schemeClr val="tx1"/>
+                </a:solidFill>
+              </a:rPr>
+              <a:t>Both Pytorch and Tensorflow are low level implementation of ANN (Artificial Neural Network). </a:t>
+            </a:r>
+          </a:p>
+          <a:p>
+            <a:pPr marL="342900" indent="-342900" algn="l">
+              <a:buClr>
+                <a:srgbClr val="0070C0"/>
+              </a:buClr>
+              <a:buSzPct val="80000"/>
+              <a:buFont typeface="Wingdings" pitchFamily="2" charset="2"/>
+              <a:buChar char="u"/>
+            </a:pPr>
+            <a:r>
+              <a:rPr lang="en-US" sz="1800" b="1" dirty="0">
+                <a:solidFill>
+                  <a:schemeClr val="tx1"/>
+                </a:solidFill>
+              </a:rPr>
+              <a:t>Keras is the API for PyTorch and Tensorflow.</a:t>
+            </a:r>
+          </a:p>
+        </p:txBody>
+      </p:sp>
+      <p:sp>
+        <p:nvSpPr>
+          <p:cNvPr id="4" name="標題 1"/>
+          <p:cNvSpPr txBox="1">
+            <a:spLocks/>
+          </p:cNvSpPr>
+          <p:nvPr/>
+        </p:nvSpPr>
+        <p:spPr>
+          <a:xfrm>
+            <a:off x="0" y="764704"/>
+            <a:ext cx="9144000" cy="360040"/>
+          </a:xfrm>
+          <a:prstGeom prst="rect">
+            <a:avLst/>
+          </a:prstGeom>
+          <a:gradFill flip="none" rotWithShape="1">
+            <a:gsLst>
+              <a:gs pos="0">
+                <a:srgbClr val="00B0F0">
+                  <a:shade val="30000"/>
+                  <a:satMod val="115000"/>
+                </a:srgbClr>
+              </a:gs>
+              <a:gs pos="50000">
+                <a:srgbClr val="00B0F0">
+                  <a:shade val="67500"/>
+                  <a:satMod val="115000"/>
+                </a:srgbClr>
+              </a:gs>
+              <a:gs pos="100000">
+                <a:srgbClr val="00B0F0">
+                  <a:shade val="100000"/>
+                  <a:satMod val="115000"/>
+                </a:srgbClr>
+              </a:gs>
+            </a:gsLst>
+            <a:path path="circle">
+              <a:fillToRect t="100000" r="100000"/>
+            </a:path>
+            <a:tileRect l="-100000" b="-100000"/>
+          </a:gradFill>
+        </p:spPr>
+        <p:txBody>
+          <a:bodyPr vert="horz" lIns="91440" tIns="45720" rIns="91440" bIns="45720" rtlCol="0" anchor="ctr">
+            <a:normAutofit/>
+          </a:bodyPr>
+          <a:lstStyle/>
+          <a:p>
+            <a:pPr lvl="0">
+              <a:spcBef>
+                <a:spcPct val="0"/>
+              </a:spcBef>
+            </a:pPr>
+            <a:r>
+              <a:rPr lang="en-US" sz="1600" dirty="0"/>
+              <a:t>https://github.com/peterhchen/900_Python_ML_DS_DL</a:t>
+            </a:r>
+            <a:endParaRPr kumimoji="0" lang="zh-TW" altLang="en-US" sz="1600" b="0" i="0" u="none" strike="noStrike" kern="1200" cap="none" spc="0" normalizeH="0" baseline="0" noProof="0" dirty="0">
+              <a:ln>
+                <a:noFill/>
+              </a:ln>
+              <a:solidFill>
+                <a:schemeClr val="tx1"/>
+              </a:solidFill>
+              <a:effectLst/>
+              <a:uLnTx/>
+              <a:uFillTx/>
+              <a:latin typeface="+mj-lt"/>
+              <a:ea typeface="+mj-ea"/>
+              <a:cs typeface="+mj-cs"/>
+            </a:endParaRPr>
+          </a:p>
+        </p:txBody>
+      </p:sp>
+      <p:sp>
+        <p:nvSpPr>
+          <p:cNvPr id="5" name="日期版面配置區 4"/>
+          <p:cNvSpPr>
+            <a:spLocks noGrp="1"/>
+          </p:cNvSpPr>
+          <p:nvPr>
+            <p:ph type="dt" sz="half" idx="10"/>
+          </p:nvPr>
+        </p:nvSpPr>
+        <p:spPr/>
+        <p:txBody>
+          <a:bodyPr/>
+          <a:lstStyle/>
+          <a:p>
+            <a:fld id="{A4F910E6-8D00-4BAF-8C48-9688E0B449D3}" type="datetime1">
+              <a:rPr lang="zh-TW" altLang="en-US" smtClean="0"/>
+              <a:pPr/>
+              <a:t>2020/9/24</a:t>
+            </a:fld>
+            <a:endParaRPr lang="zh-TW" altLang="en-US"/>
+          </a:p>
+        </p:txBody>
+      </p:sp>
+      <p:sp>
+        <p:nvSpPr>
+          <p:cNvPr id="6" name="投影片編號版面配置區 5"/>
+          <p:cNvSpPr>
+            <a:spLocks noGrp="1"/>
+          </p:cNvSpPr>
+          <p:nvPr>
+            <p:ph type="sldNum" sz="quarter" idx="12"/>
+          </p:nvPr>
+        </p:nvSpPr>
+        <p:spPr/>
+        <p:txBody>
+          <a:bodyPr/>
+          <a:lstStyle/>
+          <a:p>
+            <a:fld id="{E4D7E63D-91F2-4366-A2C4-1B00C9E2590E}" type="slidenum">
+              <a:rPr lang="zh-TW" altLang="en-US" smtClean="0"/>
+              <a:pPr/>
+              <a:t>6</a:t>
+            </a:fld>
+            <a:endParaRPr lang="zh-TW" altLang="en-US"/>
+          </a:p>
+        </p:txBody>
+      </p:sp>
+      <p:pic>
+        <p:nvPicPr>
+          <p:cNvPr id="2050" name="Picture 2" descr="Deep Learning Model Development with TensorFlow and Keras">
+            <a:extLst>
+              <a:ext uri="{FF2B5EF4-FFF2-40B4-BE49-F238E27FC236}">
+                <a16:creationId xmlns:a16="http://schemas.microsoft.com/office/drawing/2014/main" id="{77277F48-7728-4CF8-BE13-0CE313D025EC}"/>
+              </a:ext>
+            </a:extLst>
+          </p:cNvPr>
+          <p:cNvPicPr>
+            <a:picLocks noChangeAspect="1" noChangeArrowheads="1"/>
+          </p:cNvPicPr>
+          <p:nvPr/>
+        </p:nvPicPr>
+        <p:blipFill>
+          <a:blip r:embed="rId2">
+            <a:extLst>
+              <a:ext uri="{28A0092B-C50C-407E-A947-70E740481C1C}">
+                <a14:useLocalDpi xmlns:a14="http://schemas.microsoft.com/office/drawing/2010/main" val="0"/>
+              </a:ext>
+            </a:extLst>
+          </a:blip>
+          <a:srcRect/>
+          <a:stretch>
+            <a:fillRect/>
+          </a:stretch>
+        </p:blipFill>
+        <p:spPr bwMode="auto">
+          <a:xfrm>
+            <a:off x="2581835" y="2708920"/>
+            <a:ext cx="4229928" cy="2779230"/>
+          </a:xfrm>
+          <a:prstGeom prst="rect">
+            <a:avLst/>
+          </a:prstGeom>
+          <a:noFill/>
+          <a:ln>
+            <a:solidFill>
+              <a:srgbClr val="C00000"/>
+            </a:solidFill>
+          </a:ln>
+          <a:extLst>
+            <a:ext uri="{909E8E84-426E-40DD-AFC4-6F175D3DCCD1}">
+              <a14:hiddenFill xmlns:a14="http://schemas.microsoft.com/office/drawing/2010/main">
+                <a:solidFill>
+                  <a:srgbClr val="FFFFFF"/>
+                </a:solidFill>
+              </a14:hiddenFill>
+            </a:ext>
+          </a:extLst>
+        </p:spPr>
+      </p:pic>
+    </p:spTree>
+    <p:extLst>
+      <p:ext uri="{BB962C8B-B14F-4D97-AF65-F5344CB8AC3E}">
+        <p14:creationId xmlns:p14="http://schemas.microsoft.com/office/powerpoint/2010/main" val="1166211748"/>
+      </p:ext>
+    </p:extLst>
+  </p:cSld>
+  <p:clrMapOvr>
+    <a:masterClrMapping/>
+  </p:clrMapOvr>
+</p:sld>
+</file>
+
+<file path=ppt/slides/slide7.xml><?xml version="1.0" encoding="utf-8"?>
+<p:sld xmlns:a="http://schemas.openxmlformats.org/drawingml/2006/main" xmlns:r="http://schemas.openxmlformats.org/officeDocument/2006/relationships" xmlns:p="http://schemas.openxmlformats.org/presentationml/2006/main">
+  <p:cSld>
+    <p:spTree>
+      <p:nvGrpSpPr>
+        <p:cNvPr id="1" name=""/>
+        <p:cNvGrpSpPr/>
+        <p:nvPr/>
+      </p:nvGrpSpPr>
+      <p:grpSpPr>
+        <a:xfrm>
+          <a:off x="0" y="0"/>
+          <a:ext cx="0" cy="0"/>
+          <a:chOff x="0" y="0"/>
+          <a:chExt cx="0" cy="0"/>
+        </a:xfrm>
+      </p:grpSpPr>
+      <p:sp>
+        <p:nvSpPr>
+          <p:cNvPr id="2" name="標題 1"/>
+          <p:cNvSpPr>
+            <a:spLocks noGrp="1"/>
+          </p:cNvSpPr>
+          <p:nvPr>
+            <p:ph type="ctrTitle"/>
+          </p:nvPr>
+        </p:nvSpPr>
+        <p:spPr>
+          <a:xfrm>
+            <a:off x="0" y="1"/>
+            <a:ext cx="9144000" cy="764704"/>
+          </a:xfrm>
+          <a:gradFill flip="none" rotWithShape="1">
+            <a:gsLst>
+              <a:gs pos="0">
+                <a:srgbClr val="C00000">
+                  <a:shade val="30000"/>
+                  <a:satMod val="115000"/>
+                </a:srgbClr>
+              </a:gs>
+              <a:gs pos="50000">
+                <a:srgbClr val="C00000">
+                  <a:shade val="67500"/>
+                  <a:satMod val="115000"/>
+                </a:srgbClr>
+              </a:gs>
+              <a:gs pos="100000">
+                <a:srgbClr val="C00000">
+                  <a:shade val="100000"/>
+                  <a:satMod val="115000"/>
+                </a:srgbClr>
+              </a:gs>
+            </a:gsLst>
+            <a:path path="circle">
+              <a:fillToRect t="100000" r="100000"/>
+            </a:path>
+            <a:tileRect l="-100000" b="-100000"/>
+          </a:gradFill>
+        </p:spPr>
+        <p:txBody>
+          <a:bodyPr>
+            <a:normAutofit/>
+          </a:bodyPr>
+          <a:lstStyle/>
+          <a:p>
+            <a:pPr algn="l"/>
+            <a:r>
+              <a:rPr lang="en-US" altLang="zh-TW" sz="4000" b="1" dirty="0">
+                <a:solidFill>
+                  <a:srgbClr val="FFFF00"/>
+                </a:solidFill>
+              </a:rPr>
+              <a:t>1 Python Data Science, ML, and DL</a:t>
+            </a:r>
+            <a:endParaRPr lang="zh-TW" altLang="en-US" sz="4000" b="1" dirty="0">
+              <a:solidFill>
+                <a:srgbClr val="FFFF00"/>
+              </a:solidFill>
+            </a:endParaRPr>
+          </a:p>
+        </p:txBody>
+      </p:sp>
+      <p:sp>
+        <p:nvSpPr>
+          <p:cNvPr id="3" name="副標題 2"/>
+          <p:cNvSpPr>
+            <a:spLocks noGrp="1"/>
+          </p:cNvSpPr>
+          <p:nvPr>
+            <p:ph type="subTitle" idx="1"/>
+          </p:nvPr>
+        </p:nvSpPr>
+        <p:spPr>
+          <a:xfrm>
+            <a:off x="467543" y="1268759"/>
+            <a:ext cx="8241831" cy="1800201"/>
+          </a:xfrm>
+          <a:ln>
+            <a:solidFill>
+              <a:srgbClr val="C00000"/>
+            </a:solidFill>
+          </a:ln>
+        </p:spPr>
+        <p:txBody>
+          <a:bodyPr>
+            <a:noAutofit/>
+          </a:bodyPr>
+          <a:lstStyle/>
+          <a:p>
+            <a:pPr marL="342900" indent="-342900" algn="l">
+              <a:buClr>
+                <a:srgbClr val="0070C0"/>
+              </a:buClr>
+              <a:buSzPct val="80000"/>
+              <a:buFont typeface="Wingdings" pitchFamily="2" charset="2"/>
+              <a:buChar char="u"/>
+            </a:pPr>
+            <a:r>
+              <a:rPr lang="en-US" sz="1800" b="1" dirty="0">
+                <a:solidFill>
+                  <a:schemeClr val="tx1"/>
+                </a:solidFill>
+              </a:rPr>
+              <a:t>Some of the is best well known features, such as, “Product Recommendations”, “People who bought also bought”, “Top Sellers”, “Movie Recommendations”, “Spam classifier”, “Search Engine”, “Apache Spark distributed Computing”, “Handwriting Recognition”, “Face Recognition”,  “Fighter Jet Identifications”, “Benign/Malignant Tumor Classifier”, “Semiconductor QA/Corners Correlation Classification”, “Cars Model Classifiers”, “Self-Driving Car”, and etc.</a:t>
+            </a:r>
+          </a:p>
+        </p:txBody>
+      </p:sp>
+      <p:sp>
+        <p:nvSpPr>
+          <p:cNvPr id="4" name="標題 1"/>
+          <p:cNvSpPr txBox="1">
+            <a:spLocks/>
+          </p:cNvSpPr>
+          <p:nvPr/>
+        </p:nvSpPr>
+        <p:spPr>
+          <a:xfrm>
+            <a:off x="0" y="764704"/>
+            <a:ext cx="9144000" cy="360040"/>
+          </a:xfrm>
+          <a:prstGeom prst="rect">
+            <a:avLst/>
+          </a:prstGeom>
+          <a:gradFill flip="none" rotWithShape="1">
+            <a:gsLst>
+              <a:gs pos="0">
+                <a:srgbClr val="00B0F0">
+                  <a:shade val="30000"/>
+                  <a:satMod val="115000"/>
+                </a:srgbClr>
+              </a:gs>
+              <a:gs pos="50000">
+                <a:srgbClr val="00B0F0">
+                  <a:shade val="67500"/>
+                  <a:satMod val="115000"/>
+                </a:srgbClr>
+              </a:gs>
+              <a:gs pos="100000">
+                <a:srgbClr val="00B0F0">
+                  <a:shade val="100000"/>
+                  <a:satMod val="115000"/>
+                </a:srgbClr>
+              </a:gs>
+            </a:gsLst>
+            <a:path path="circle">
+              <a:fillToRect t="100000" r="100000"/>
+            </a:path>
+            <a:tileRect l="-100000" b="-100000"/>
+          </a:gradFill>
+        </p:spPr>
+        <p:txBody>
+          <a:bodyPr vert="horz" lIns="91440" tIns="45720" rIns="91440" bIns="45720" rtlCol="0" anchor="ctr">
+            <a:normAutofit/>
+          </a:bodyPr>
+          <a:lstStyle/>
+          <a:p>
+            <a:pPr lvl="0">
+              <a:spcBef>
+                <a:spcPct val="0"/>
+              </a:spcBef>
+            </a:pPr>
+            <a:r>
+              <a:rPr lang="en-US" sz="1600" dirty="0"/>
+              <a:t>https://github.com/peterhchen/900_Python_ML_DS_DL</a:t>
+            </a:r>
+            <a:endParaRPr kumimoji="0" lang="zh-TW" altLang="en-US" sz="1600" b="0" i="0" u="none" strike="noStrike" kern="1200" cap="none" spc="0" normalizeH="0" baseline="0" noProof="0" dirty="0">
+              <a:ln>
+                <a:noFill/>
+              </a:ln>
+              <a:solidFill>
+                <a:schemeClr val="tx1"/>
+              </a:solidFill>
+              <a:effectLst/>
+              <a:uLnTx/>
+              <a:uFillTx/>
+              <a:latin typeface="+mj-lt"/>
+              <a:ea typeface="+mj-ea"/>
+              <a:cs typeface="+mj-cs"/>
+            </a:endParaRPr>
+          </a:p>
+        </p:txBody>
+      </p:sp>
+      <p:sp>
+        <p:nvSpPr>
+          <p:cNvPr id="5" name="日期版面配置區 4"/>
+          <p:cNvSpPr>
+            <a:spLocks noGrp="1"/>
+          </p:cNvSpPr>
+          <p:nvPr>
+            <p:ph type="dt" sz="half" idx="10"/>
+          </p:nvPr>
+        </p:nvSpPr>
+        <p:spPr/>
+        <p:txBody>
+          <a:bodyPr/>
+          <a:lstStyle/>
+          <a:p>
+            <a:fld id="{A4F910E6-8D00-4BAF-8C48-9688E0B449D3}" type="datetime1">
+              <a:rPr lang="zh-TW" altLang="en-US" smtClean="0"/>
+              <a:pPr/>
+              <a:t>2020/9/24</a:t>
+            </a:fld>
+            <a:endParaRPr lang="zh-TW" altLang="en-US"/>
+          </a:p>
+        </p:txBody>
+      </p:sp>
+      <p:sp>
+        <p:nvSpPr>
+          <p:cNvPr id="6" name="投影片編號版面配置區 5"/>
+          <p:cNvSpPr>
+            <a:spLocks noGrp="1"/>
+          </p:cNvSpPr>
+          <p:nvPr>
+            <p:ph type="sldNum" sz="quarter" idx="12"/>
+          </p:nvPr>
+        </p:nvSpPr>
+        <p:spPr/>
+        <p:txBody>
+          <a:bodyPr/>
+          <a:lstStyle/>
+          <a:p>
+            <a:fld id="{E4D7E63D-91F2-4366-A2C4-1B00C9E2590E}" type="slidenum">
+              <a:rPr lang="zh-TW" altLang="en-US" smtClean="0"/>
+              <a:pPr/>
+              <a:t>7</a:t>
+            </a:fld>
+            <a:endParaRPr lang="zh-TW" altLang="en-US"/>
+          </a:p>
+        </p:txBody>
+      </p:sp>
+      <p:pic>
+        <p:nvPicPr>
+          <p:cNvPr id="3074" name="Picture 2" descr="What are Product Recommendation Engines? And the various versions of them?  | by Maruti Techlabs | Towards Data Science">
+            <a:extLst>
+              <a:ext uri="{FF2B5EF4-FFF2-40B4-BE49-F238E27FC236}">
+                <a16:creationId xmlns:a16="http://schemas.microsoft.com/office/drawing/2014/main" id="{D40C4CA4-32C0-4183-B490-C11EAD84EC55}"/>
+              </a:ext>
+            </a:extLst>
+          </p:cNvPr>
+          <p:cNvPicPr>
+            <a:picLocks noChangeAspect="1" noChangeArrowheads="1"/>
+          </p:cNvPicPr>
+          <p:nvPr/>
+        </p:nvPicPr>
+        <p:blipFill>
+          <a:blip r:embed="rId2">
+            <a:extLst>
+              <a:ext uri="{28A0092B-C50C-407E-A947-70E740481C1C}">
+                <a14:useLocalDpi xmlns:a14="http://schemas.microsoft.com/office/drawing/2010/main" val="0"/>
+              </a:ext>
+            </a:extLst>
+          </a:blip>
+          <a:srcRect/>
+          <a:stretch>
+            <a:fillRect/>
+          </a:stretch>
+        </p:blipFill>
+        <p:spPr bwMode="auto">
+          <a:xfrm>
+            <a:off x="683568" y="3191407"/>
+            <a:ext cx="2857500" cy="1600200"/>
+          </a:xfrm>
+          <a:prstGeom prst="rect">
+            <a:avLst/>
+          </a:prstGeom>
+          <a:noFill/>
+          <a:ln>
+            <a:solidFill>
+              <a:srgbClr val="C00000"/>
+            </a:solidFill>
+          </a:ln>
+          <a:extLst>
+            <a:ext uri="{909E8E84-426E-40DD-AFC4-6F175D3DCCD1}">
+              <a14:hiddenFill xmlns:a14="http://schemas.microsoft.com/office/drawing/2010/main">
+                <a:solidFill>
+                  <a:srgbClr val="FFFFFF"/>
+                </a:solidFill>
+              </a14:hiddenFill>
+            </a:ext>
+          </a:extLst>
+        </p:spPr>
+      </p:pic>
+      <p:pic>
+        <p:nvPicPr>
+          <p:cNvPr id="3076" name="Picture 4" descr="Self-Driving Cars: A Guide to Technology and Safety">
+            <a:extLst>
+              <a:ext uri="{FF2B5EF4-FFF2-40B4-BE49-F238E27FC236}">
+                <a16:creationId xmlns:a16="http://schemas.microsoft.com/office/drawing/2014/main" id="{51527BFC-DCA2-44F1-B782-ABD8238C88C9}"/>
+              </a:ext>
+            </a:extLst>
+          </p:cNvPr>
+          <p:cNvPicPr>
+            <a:picLocks noChangeAspect="1" noChangeArrowheads="1"/>
+          </p:cNvPicPr>
+          <p:nvPr/>
+        </p:nvPicPr>
+        <p:blipFill>
+          <a:blip r:embed="rId3">
+            <a:extLst>
+              <a:ext uri="{28A0092B-C50C-407E-A947-70E740481C1C}">
+                <a14:useLocalDpi xmlns:a14="http://schemas.microsoft.com/office/drawing/2010/main" val="0"/>
+              </a:ext>
+            </a:extLst>
+          </a:blip>
+          <a:srcRect/>
+          <a:stretch>
+            <a:fillRect/>
+          </a:stretch>
+        </p:blipFill>
+        <p:spPr bwMode="auto">
+          <a:xfrm>
+            <a:off x="5257056" y="4933446"/>
+            <a:ext cx="2819400" cy="1619250"/>
+          </a:xfrm>
+          <a:prstGeom prst="rect">
+            <a:avLst/>
+          </a:prstGeom>
+          <a:noFill/>
+          <a:ln>
+            <a:solidFill>
+              <a:srgbClr val="C00000"/>
+            </a:solidFill>
+          </a:ln>
+          <a:extLst>
+            <a:ext uri="{909E8E84-426E-40DD-AFC4-6F175D3DCCD1}">
+              <a14:hiddenFill xmlns:a14="http://schemas.microsoft.com/office/drawing/2010/main">
+                <a:solidFill>
+                  <a:srgbClr val="FFFFFF"/>
+                </a:solidFill>
+              </a14:hiddenFill>
+            </a:ext>
+          </a:extLst>
+        </p:spPr>
+      </p:pic>
+      <p:pic>
+        <p:nvPicPr>
+          <p:cNvPr id="3078" name="Picture 6" descr="The Air Force Secretly Built Its Next Fighter Jet: Here's What It Means for  Defense Stocks | The Motley Fool">
+            <a:extLst>
+              <a:ext uri="{FF2B5EF4-FFF2-40B4-BE49-F238E27FC236}">
+                <a16:creationId xmlns:a16="http://schemas.microsoft.com/office/drawing/2014/main" id="{51190CC0-96C9-4E23-A9FF-CCFA4E28BD05}"/>
+              </a:ext>
+            </a:extLst>
+          </p:cNvPr>
+          <p:cNvPicPr>
+            <a:picLocks noChangeAspect="1" noChangeArrowheads="1"/>
+          </p:cNvPicPr>
+          <p:nvPr/>
+        </p:nvPicPr>
+        <p:blipFill>
+          <a:blip r:embed="rId4" cstate="print">
+            <a:extLst>
+              <a:ext uri="{28A0092B-C50C-407E-A947-70E740481C1C}">
+                <a14:useLocalDpi xmlns:a14="http://schemas.microsoft.com/office/drawing/2010/main" val="0"/>
+              </a:ext>
+            </a:extLst>
+          </a:blip>
+          <a:srcRect/>
+          <a:stretch>
+            <a:fillRect/>
+          </a:stretch>
+        </p:blipFill>
+        <p:spPr bwMode="auto">
+          <a:xfrm>
+            <a:off x="5257056" y="3144587"/>
+            <a:ext cx="2592288" cy="1581296"/>
+          </a:xfrm>
+          <a:prstGeom prst="rect">
+            <a:avLst/>
+          </a:prstGeom>
+          <a:noFill/>
+          <a:ln>
+            <a:solidFill>
+              <a:srgbClr val="C00000"/>
+            </a:solidFill>
+          </a:ln>
+          <a:extLst>
+            <a:ext uri="{909E8E84-426E-40DD-AFC4-6F175D3DCCD1}">
+              <a14:hiddenFill xmlns:a14="http://schemas.microsoft.com/office/drawing/2010/main">
+                <a:solidFill>
+                  <a:srgbClr val="FFFFFF"/>
+                </a:solidFill>
+              </a14:hiddenFill>
+            </a:ext>
+          </a:extLst>
+        </p:spPr>
+      </p:pic>
+      <p:pic>
+        <p:nvPicPr>
+          <p:cNvPr id="3080" name="Picture 8" descr="How do you check the quality of your regression model in Python? | by  Tirthajyoti Sarkar | Towards Data Science">
+            <a:extLst>
+              <a:ext uri="{FF2B5EF4-FFF2-40B4-BE49-F238E27FC236}">
+                <a16:creationId xmlns:a16="http://schemas.microsoft.com/office/drawing/2014/main" id="{A38F1825-E86D-45B0-AF14-34EDFEF9BF20}"/>
+              </a:ext>
+            </a:extLst>
+          </p:cNvPr>
+          <p:cNvPicPr>
+            <a:picLocks noChangeAspect="1" noChangeArrowheads="1"/>
+          </p:cNvPicPr>
+          <p:nvPr/>
+        </p:nvPicPr>
+        <p:blipFill>
+          <a:blip r:embed="rId5" cstate="print">
+            <a:extLst>
+              <a:ext uri="{28A0092B-C50C-407E-A947-70E740481C1C}">
+                <a14:useLocalDpi xmlns:a14="http://schemas.microsoft.com/office/drawing/2010/main" val="0"/>
+              </a:ext>
+            </a:extLst>
+          </a:blip>
+          <a:srcRect/>
+          <a:stretch>
+            <a:fillRect/>
+          </a:stretch>
+        </p:blipFill>
+        <p:spPr bwMode="auto">
+          <a:xfrm>
+            <a:off x="635814" y="4933446"/>
+            <a:ext cx="3792170" cy="1439839"/>
+          </a:xfrm>
+          <a:prstGeom prst="rect">
+            <a:avLst/>
+          </a:prstGeom>
+          <a:noFill/>
+          <a:ln>
+            <a:solidFill>
+              <a:srgbClr val="C00000"/>
+            </a:solidFill>
+          </a:ln>
+          <a:extLst>
+            <a:ext uri="{909E8E84-426E-40DD-AFC4-6F175D3DCCD1}">
+              <a14:hiddenFill xmlns:a14="http://schemas.microsoft.com/office/drawing/2010/main">
+                <a:solidFill>
+                  <a:srgbClr val="FFFFFF"/>
+                </a:solidFill>
+              </a14:hiddenFill>
+            </a:ext>
+          </a:extLst>
+        </p:spPr>
+      </p:pic>
+    </p:spTree>
+    <p:extLst>
+      <p:ext uri="{BB962C8B-B14F-4D97-AF65-F5344CB8AC3E}">
+        <p14:creationId xmlns:p14="http://schemas.microsoft.com/office/powerpoint/2010/main" val="548288500"/>
+      </p:ext>
+    </p:extLst>
+  </p:cSld>
+  <p:clrMapOvr>
+    <a:masterClrMapping/>
+  </p:clrMapOvr>
+</p:sld>
+</file>
+
+<file path=ppt/slides/slide8.xml><?xml version="1.0" encoding="utf-8"?>
+<p:sld xmlns:a="http://schemas.openxmlformats.org/drawingml/2006/main" xmlns:r="http://schemas.openxmlformats.org/officeDocument/2006/relationships" xmlns:p="http://schemas.openxmlformats.org/presentationml/2006/main">
+  <p:cSld>
+    <p:spTree>
+      <p:nvGrpSpPr>
+        <p:cNvPr id="1" name=""/>
+        <p:cNvGrpSpPr/>
+        <p:nvPr/>
+      </p:nvGrpSpPr>
+      <p:grpSpPr>
+        <a:xfrm>
+          <a:off x="0" y="0"/>
+          <a:ext cx="0" cy="0"/>
+          <a:chOff x="0" y="0"/>
+          <a:chExt cx="0" cy="0"/>
+        </a:xfrm>
+      </p:grpSpPr>
+      <p:sp>
+        <p:nvSpPr>
+          <p:cNvPr id="2" name="標題 1"/>
+          <p:cNvSpPr>
+            <a:spLocks noGrp="1"/>
+          </p:cNvSpPr>
+          <p:nvPr>
+            <p:ph type="ctrTitle"/>
+          </p:nvPr>
+        </p:nvSpPr>
+        <p:spPr>
+          <a:xfrm>
             <a:off x="0" y="2130425"/>
             <a:ext cx="9144000" cy="1470025"/>
           </a:xfrm>
@@ -3993,7 +5906,7 @@
             <a:fld id="{4E46BE27-E923-4EC2-B046-3272AE2A3E5C}" type="datetime1">
               <a:rPr lang="zh-TW" altLang="en-US" smtClean="0"/>
               <a:pPr/>
-              <a:t>2020/8/17</a:t>
+              <a:t>2020/9/24</a:t>
             </a:fld>
             <a:endParaRPr lang="zh-TW" altLang="en-US"/>
           </a:p>
@@ -4017,7 +5930,7 @@
             <a:fld id="{E4D7E63D-91F2-4366-A2C4-1B00C9E2590E}" type="slidenum">
               <a:rPr lang="zh-TW" altLang="en-US" smtClean="0"/>
               <a:pPr/>
-              <a:t>3</a:t>
+              <a:t>8</a:t>
             </a:fld>
             <a:endParaRPr lang="zh-TW" altLang="en-US"/>
           </a:p>

--- a/001_intro.pptx
+++ b/001_intro.pptx
@@ -5,7 +5,7 @@
     <p:sldMasterId id="2147483648" r:id="rId1"/>
   </p:sldMasterIdLst>
   <p:notesMasterIdLst>
-    <p:notesMasterId r:id="rId10"/>
+    <p:notesMasterId r:id="rId13"/>
   </p:notesMasterIdLst>
   <p:sldIdLst>
     <p:sldId id="256" r:id="rId2"/>
@@ -14,8 +14,11 @@
     <p:sldId id="263" r:id="rId5"/>
     <p:sldId id="265" r:id="rId6"/>
     <p:sldId id="260" r:id="rId7"/>
-    <p:sldId id="264" r:id="rId8"/>
-    <p:sldId id="259" r:id="rId9"/>
+    <p:sldId id="266" r:id="rId8"/>
+    <p:sldId id="264" r:id="rId9"/>
+    <p:sldId id="267" r:id="rId10"/>
+    <p:sldId id="268" r:id="rId11"/>
+    <p:sldId id="259" r:id="rId12"/>
   </p:sldIdLst>
   <p:sldSz cx="9144000" cy="6858000" type="screen4x3"/>
   <p:notesSz cx="6858000" cy="9144000"/>
@@ -3586,6 +3589,475 @@
 </p:sld>
 </file>
 
+<file path=ppt/slides/slide10.xml><?xml version="1.0" encoding="utf-8"?>
+<p:sld xmlns:a="http://schemas.openxmlformats.org/drawingml/2006/main" xmlns:r="http://schemas.openxmlformats.org/officeDocument/2006/relationships" xmlns:p="http://schemas.openxmlformats.org/presentationml/2006/main">
+  <p:cSld>
+    <p:spTree>
+      <p:nvGrpSpPr>
+        <p:cNvPr id="1" name=""/>
+        <p:cNvGrpSpPr/>
+        <p:nvPr/>
+      </p:nvGrpSpPr>
+      <p:grpSpPr>
+        <a:xfrm>
+          <a:off x="0" y="0"/>
+          <a:ext cx="0" cy="0"/>
+          <a:chOff x="0" y="0"/>
+          <a:chExt cx="0" cy="0"/>
+        </a:xfrm>
+      </p:grpSpPr>
+      <p:sp>
+        <p:nvSpPr>
+          <p:cNvPr id="2" name="標題 1"/>
+          <p:cNvSpPr>
+            <a:spLocks noGrp="1"/>
+          </p:cNvSpPr>
+          <p:nvPr>
+            <p:ph type="ctrTitle"/>
+          </p:nvPr>
+        </p:nvSpPr>
+        <p:spPr>
+          <a:xfrm>
+            <a:off x="0" y="1"/>
+            <a:ext cx="9144000" cy="764704"/>
+          </a:xfrm>
+          <a:gradFill flip="none" rotWithShape="1">
+            <a:gsLst>
+              <a:gs pos="0">
+                <a:srgbClr val="C00000">
+                  <a:shade val="30000"/>
+                  <a:satMod val="115000"/>
+                </a:srgbClr>
+              </a:gs>
+              <a:gs pos="50000">
+                <a:srgbClr val="C00000">
+                  <a:shade val="67500"/>
+                  <a:satMod val="115000"/>
+                </a:srgbClr>
+              </a:gs>
+              <a:gs pos="100000">
+                <a:srgbClr val="C00000">
+                  <a:shade val="100000"/>
+                  <a:satMod val="115000"/>
+                </a:srgbClr>
+              </a:gs>
+            </a:gsLst>
+            <a:path path="circle">
+              <a:fillToRect t="100000" r="100000"/>
+            </a:path>
+            <a:tileRect l="-100000" b="-100000"/>
+          </a:gradFill>
+        </p:spPr>
+        <p:txBody>
+          <a:bodyPr>
+            <a:normAutofit/>
+          </a:bodyPr>
+          <a:lstStyle/>
+          <a:p>
+            <a:pPr algn="l"/>
+            <a:r>
+              <a:rPr lang="en-US" altLang="zh-TW" sz="4000" b="1" dirty="0">
+                <a:solidFill>
+                  <a:srgbClr val="FFFF00"/>
+                </a:solidFill>
+              </a:rPr>
+              <a:t>1.2 Python and Jupyter Notebook</a:t>
+            </a:r>
+            <a:endParaRPr lang="zh-TW" altLang="en-US" sz="4000" b="1" dirty="0">
+              <a:solidFill>
+                <a:srgbClr val="FFFF00"/>
+              </a:solidFill>
+            </a:endParaRPr>
+          </a:p>
+        </p:txBody>
+      </p:sp>
+      <p:sp>
+        <p:nvSpPr>
+          <p:cNvPr id="3" name="副標題 2"/>
+          <p:cNvSpPr>
+            <a:spLocks noGrp="1"/>
+          </p:cNvSpPr>
+          <p:nvPr>
+            <p:ph type="subTitle" idx="1"/>
+          </p:nvPr>
+        </p:nvSpPr>
+        <p:spPr>
+          <a:xfrm>
+            <a:off x="416394" y="1307879"/>
+            <a:ext cx="8241831" cy="824978"/>
+          </a:xfrm>
+          <a:ln>
+            <a:solidFill>
+              <a:srgbClr val="C00000"/>
+            </a:solidFill>
+          </a:ln>
+        </p:spPr>
+        <p:txBody>
+          <a:bodyPr>
+            <a:noAutofit/>
+          </a:bodyPr>
+          <a:lstStyle/>
+          <a:p>
+            <a:pPr marL="342900" indent="-342900" algn="l">
+              <a:buClr>
+                <a:srgbClr val="0070C0"/>
+              </a:buClr>
+              <a:buSzPct val="80000"/>
+              <a:buFont typeface="Wingdings" pitchFamily="2" charset="2"/>
+              <a:buChar char="u"/>
+            </a:pPr>
+            <a:r>
+              <a:rPr lang="en-US" sz="1800" b="1" dirty="0">
+                <a:solidFill>
+                  <a:schemeClr val="tx1"/>
+                </a:solidFill>
+              </a:rPr>
+              <a:t>We will use both Python for final product implementation and Jupyter Notebook (*.ipynb for interactive Python Jupyter notebook file) with embedded </a:t>
+            </a:r>
+            <a:r>
+              <a:rPr lang="en-US" sz="1800" b="1">
+                <a:solidFill>
+                  <a:schemeClr val="tx1"/>
+                </a:solidFill>
+              </a:rPr>
+              <a:t>function for classroom </a:t>
+            </a:r>
+            <a:r>
+              <a:rPr lang="en-US" sz="1800" b="1" dirty="0">
+                <a:solidFill>
+                  <a:schemeClr val="tx1"/>
+                </a:solidFill>
+              </a:rPr>
+              <a:t>use.</a:t>
+            </a:r>
+          </a:p>
+        </p:txBody>
+      </p:sp>
+      <p:sp>
+        <p:nvSpPr>
+          <p:cNvPr id="4" name="標題 1"/>
+          <p:cNvSpPr txBox="1">
+            <a:spLocks/>
+          </p:cNvSpPr>
+          <p:nvPr/>
+        </p:nvSpPr>
+        <p:spPr>
+          <a:xfrm>
+            <a:off x="0" y="764704"/>
+            <a:ext cx="9144000" cy="360040"/>
+          </a:xfrm>
+          <a:prstGeom prst="rect">
+            <a:avLst/>
+          </a:prstGeom>
+          <a:gradFill flip="none" rotWithShape="1">
+            <a:gsLst>
+              <a:gs pos="0">
+                <a:srgbClr val="00B0F0">
+                  <a:shade val="30000"/>
+                  <a:satMod val="115000"/>
+                </a:srgbClr>
+              </a:gs>
+              <a:gs pos="50000">
+                <a:srgbClr val="00B0F0">
+                  <a:shade val="67500"/>
+                  <a:satMod val="115000"/>
+                </a:srgbClr>
+              </a:gs>
+              <a:gs pos="100000">
+                <a:srgbClr val="00B0F0">
+                  <a:shade val="100000"/>
+                  <a:satMod val="115000"/>
+                </a:srgbClr>
+              </a:gs>
+            </a:gsLst>
+            <a:path path="circle">
+              <a:fillToRect t="100000" r="100000"/>
+            </a:path>
+            <a:tileRect l="-100000" b="-100000"/>
+          </a:gradFill>
+        </p:spPr>
+        <p:txBody>
+          <a:bodyPr vert="horz" lIns="91440" tIns="45720" rIns="91440" bIns="45720" rtlCol="0" anchor="ctr">
+            <a:normAutofit/>
+          </a:bodyPr>
+          <a:lstStyle/>
+          <a:p>
+            <a:pPr lvl="0">
+              <a:spcBef>
+                <a:spcPct val="0"/>
+              </a:spcBef>
+            </a:pPr>
+            <a:r>
+              <a:rPr lang="en-US" sz="1600" dirty="0"/>
+              <a:t>https://github.com/peterhchen/900_Python_ML_DS_DL</a:t>
+            </a:r>
+            <a:endParaRPr kumimoji="0" lang="zh-TW" altLang="en-US" sz="1600" b="0" i="0" u="none" strike="noStrike" kern="1200" cap="none" spc="0" normalizeH="0" baseline="0" noProof="0" dirty="0">
+              <a:ln>
+                <a:noFill/>
+              </a:ln>
+              <a:solidFill>
+                <a:schemeClr val="tx1"/>
+              </a:solidFill>
+              <a:effectLst/>
+              <a:uLnTx/>
+              <a:uFillTx/>
+              <a:latin typeface="+mj-lt"/>
+              <a:ea typeface="+mj-ea"/>
+              <a:cs typeface="+mj-cs"/>
+            </a:endParaRPr>
+          </a:p>
+        </p:txBody>
+      </p:sp>
+      <p:sp>
+        <p:nvSpPr>
+          <p:cNvPr id="5" name="日期版面配置區 4"/>
+          <p:cNvSpPr>
+            <a:spLocks noGrp="1"/>
+          </p:cNvSpPr>
+          <p:nvPr>
+            <p:ph type="dt" sz="half" idx="10"/>
+          </p:nvPr>
+        </p:nvSpPr>
+        <p:spPr/>
+        <p:txBody>
+          <a:bodyPr/>
+          <a:lstStyle/>
+          <a:p>
+            <a:fld id="{A4F910E6-8D00-4BAF-8C48-9688E0B449D3}" type="datetime1">
+              <a:rPr lang="zh-TW" altLang="en-US" smtClean="0"/>
+              <a:pPr/>
+              <a:t>2020/9/24</a:t>
+            </a:fld>
+            <a:endParaRPr lang="zh-TW" altLang="en-US"/>
+          </a:p>
+        </p:txBody>
+      </p:sp>
+      <p:sp>
+        <p:nvSpPr>
+          <p:cNvPr id="6" name="投影片編號版面配置區 5"/>
+          <p:cNvSpPr>
+            <a:spLocks noGrp="1"/>
+          </p:cNvSpPr>
+          <p:nvPr>
+            <p:ph type="sldNum" sz="quarter" idx="12"/>
+          </p:nvPr>
+        </p:nvSpPr>
+        <p:spPr/>
+        <p:txBody>
+          <a:bodyPr/>
+          <a:lstStyle/>
+          <a:p>
+            <a:fld id="{E4D7E63D-91F2-4366-A2C4-1B00C9E2590E}" type="slidenum">
+              <a:rPr lang="zh-TW" altLang="en-US" smtClean="0"/>
+              <a:pPr/>
+              <a:t>10</a:t>
+            </a:fld>
+            <a:endParaRPr lang="zh-TW" altLang="en-US"/>
+          </a:p>
+        </p:txBody>
+      </p:sp>
+      <p:pic>
+        <p:nvPicPr>
+          <p:cNvPr id="1028" name="Picture 4">
+            <a:extLst>
+              <a:ext uri="{FF2B5EF4-FFF2-40B4-BE49-F238E27FC236}">
+                <a16:creationId xmlns:a16="http://schemas.microsoft.com/office/drawing/2014/main" id="{CE032FC7-EDCA-48A9-AF49-34623A4A0487}"/>
+              </a:ext>
+            </a:extLst>
+          </p:cNvPr>
+          <p:cNvPicPr>
+            <a:picLocks noChangeAspect="1" noChangeArrowheads="1"/>
+          </p:cNvPicPr>
+          <p:nvPr/>
+        </p:nvPicPr>
+        <p:blipFill>
+          <a:blip r:embed="rId2">
+            <a:extLst>
+              <a:ext uri="{28A0092B-C50C-407E-A947-70E740481C1C}">
+                <a14:useLocalDpi xmlns:a14="http://schemas.microsoft.com/office/drawing/2010/main" val="0"/>
+              </a:ext>
+            </a:extLst>
+          </a:blip>
+          <a:srcRect/>
+          <a:stretch>
+            <a:fillRect/>
+          </a:stretch>
+        </p:blipFill>
+        <p:spPr bwMode="auto">
+          <a:xfrm>
+            <a:off x="604092" y="2315992"/>
+            <a:ext cx="8094939" cy="3171923"/>
+          </a:xfrm>
+          <a:prstGeom prst="rect">
+            <a:avLst/>
+          </a:prstGeom>
+          <a:noFill/>
+          <a:ln>
+            <a:solidFill>
+              <a:srgbClr val="C00000"/>
+            </a:solidFill>
+          </a:ln>
+          <a:extLst>
+            <a:ext uri="{909E8E84-426E-40DD-AFC4-6F175D3DCCD1}">
+              <a14:hiddenFill xmlns:a14="http://schemas.microsoft.com/office/drawing/2010/main">
+                <a:solidFill>
+                  <a:srgbClr val="FFFFFF"/>
+                </a:solidFill>
+              </a14:hiddenFill>
+            </a:ext>
+          </a:extLst>
+        </p:spPr>
+      </p:pic>
+    </p:spTree>
+    <p:extLst>
+      <p:ext uri="{BB962C8B-B14F-4D97-AF65-F5344CB8AC3E}">
+        <p14:creationId xmlns:p14="http://schemas.microsoft.com/office/powerpoint/2010/main" val="660357284"/>
+      </p:ext>
+    </p:extLst>
+  </p:cSld>
+  <p:clrMapOvr>
+    <a:masterClrMapping/>
+  </p:clrMapOvr>
+</p:sld>
+</file>
+
+<file path=ppt/slides/slide11.xml><?xml version="1.0" encoding="utf-8"?>
+<p:sld xmlns:a="http://schemas.openxmlformats.org/drawingml/2006/main" xmlns:r="http://schemas.openxmlformats.org/officeDocument/2006/relationships" xmlns:p="http://schemas.openxmlformats.org/presentationml/2006/main">
+  <p:cSld>
+    <p:spTree>
+      <p:nvGrpSpPr>
+        <p:cNvPr id="1" name=""/>
+        <p:cNvGrpSpPr/>
+        <p:nvPr/>
+      </p:nvGrpSpPr>
+      <p:grpSpPr>
+        <a:xfrm>
+          <a:off x="0" y="0"/>
+          <a:ext cx="0" cy="0"/>
+          <a:chOff x="0" y="0"/>
+          <a:chExt cx="0" cy="0"/>
+        </a:xfrm>
+      </p:grpSpPr>
+      <p:sp>
+        <p:nvSpPr>
+          <p:cNvPr id="2" name="標題 1"/>
+          <p:cNvSpPr>
+            <a:spLocks noGrp="1"/>
+          </p:cNvSpPr>
+          <p:nvPr>
+            <p:ph type="ctrTitle"/>
+          </p:nvPr>
+        </p:nvSpPr>
+        <p:spPr>
+          <a:xfrm>
+            <a:off x="0" y="2130425"/>
+            <a:ext cx="9144000" cy="1470025"/>
+          </a:xfrm>
+          <a:gradFill flip="none" rotWithShape="1">
+            <a:gsLst>
+              <a:gs pos="0">
+                <a:srgbClr val="00B0F0">
+                  <a:shade val="30000"/>
+                  <a:satMod val="115000"/>
+                </a:srgbClr>
+              </a:gs>
+              <a:gs pos="50000">
+                <a:srgbClr val="00B0F0">
+                  <a:shade val="67500"/>
+                  <a:satMod val="115000"/>
+                </a:srgbClr>
+              </a:gs>
+              <a:gs pos="100000">
+                <a:srgbClr val="00B0F0">
+                  <a:shade val="100000"/>
+                  <a:satMod val="115000"/>
+                </a:srgbClr>
+              </a:gs>
+            </a:gsLst>
+            <a:path path="circle">
+              <a:fillToRect t="100000" r="100000"/>
+            </a:path>
+            <a:tileRect l="-100000" b="-100000"/>
+          </a:gradFill>
+        </p:spPr>
+        <p:txBody>
+          <a:bodyPr>
+            <a:normAutofit/>
+          </a:bodyPr>
+          <a:lstStyle/>
+          <a:p>
+            <a:r>
+              <a:rPr lang="en-US" altLang="zh-TW" sz="6000" b="1" dirty="0">
+                <a:solidFill>
+                  <a:srgbClr val="FFFF00"/>
+                </a:solidFill>
+              </a:rPr>
+              <a:t>End of Chapter</a:t>
+            </a:r>
+            <a:endParaRPr lang="zh-TW" altLang="en-US" sz="6000" b="1" dirty="0">
+              <a:solidFill>
+                <a:srgbClr val="FFFF00"/>
+              </a:solidFill>
+            </a:endParaRPr>
+          </a:p>
+        </p:txBody>
+      </p:sp>
+      <p:sp>
+        <p:nvSpPr>
+          <p:cNvPr id="5" name="日期版面配置區 4"/>
+          <p:cNvSpPr>
+            <a:spLocks noGrp="1"/>
+          </p:cNvSpPr>
+          <p:nvPr>
+            <p:ph type="dt" sz="half" idx="10"/>
+          </p:nvPr>
+        </p:nvSpPr>
+        <p:spPr/>
+        <p:txBody>
+          <a:bodyPr/>
+          <a:lstStyle/>
+          <a:p>
+            <a:fld id="{4E46BE27-E923-4EC2-B046-3272AE2A3E5C}" type="datetime1">
+              <a:rPr lang="zh-TW" altLang="en-US" smtClean="0"/>
+              <a:pPr/>
+              <a:t>2020/9/24</a:t>
+            </a:fld>
+            <a:endParaRPr lang="zh-TW" altLang="en-US"/>
+          </a:p>
+        </p:txBody>
+      </p:sp>
+      <p:sp>
+        <p:nvSpPr>
+          <p:cNvPr id="6" name="投影片編號版面配置區 5"/>
+          <p:cNvSpPr>
+            <a:spLocks noGrp="1"/>
+          </p:cNvSpPr>
+          <p:nvPr>
+            <p:ph type="sldNum" sz="quarter" idx="12"/>
+          </p:nvPr>
+        </p:nvSpPr>
+        <p:spPr/>
+        <p:txBody>
+          <a:bodyPr/>
+          <a:lstStyle/>
+          <a:p>
+            <a:fld id="{E4D7E63D-91F2-4366-A2C4-1B00C9E2590E}" type="slidenum">
+              <a:rPr lang="zh-TW" altLang="en-US" smtClean="0"/>
+              <a:pPr/>
+              <a:t>11</a:t>
+            </a:fld>
+            <a:endParaRPr lang="zh-TW" altLang="en-US"/>
+          </a:p>
+        </p:txBody>
+      </p:sp>
+    </p:spTree>
+  </p:cSld>
+  <p:clrMapOvr>
+    <a:masterClrMapping/>
+  </p:clrMapOvr>
+</p:sld>
+</file>
+
 <file path=ppt/slides/slide2.xml><?xml version="1.0" encoding="utf-8"?>
 <p:sld xmlns:a="http://schemas.openxmlformats.org/drawingml/2006/main" xmlns:r="http://schemas.openxmlformats.org/officeDocument/2006/relationships" xmlns:p="http://schemas.openxmlformats.org/presentationml/2006/main">
   <p:cSld>
@@ -4261,7 +4733,7 @@
         </p:blipFill>
         <p:spPr bwMode="auto">
           <a:xfrm>
-            <a:off x="5436096" y="3154438"/>
+            <a:off x="2908759" y="3289706"/>
             <a:ext cx="3359398" cy="3359398"/>
           </a:xfrm>
           <a:prstGeom prst="rect">
@@ -4613,7 +5085,7 @@
         </p:blipFill>
         <p:spPr bwMode="auto">
           <a:xfrm>
-            <a:off x="2445730" y="3243699"/>
+            <a:off x="2445730" y="3379866"/>
             <a:ext cx="4285456" cy="2968075"/>
           </a:xfrm>
           <a:prstGeom prst="rect">
@@ -5364,6 +5836,155 @@
         </p:nvSpPr>
         <p:spPr>
           <a:xfrm>
+            <a:off x="0" y="2130425"/>
+            <a:ext cx="9144000" cy="1470025"/>
+          </a:xfrm>
+          <a:solidFill>
+            <a:srgbClr val="00B0F0"/>
+          </a:solidFill>
+        </p:spPr>
+        <p:txBody>
+          <a:bodyPr>
+            <a:normAutofit/>
+          </a:bodyPr>
+          <a:lstStyle/>
+          <a:p>
+            <a:r>
+              <a:rPr lang="en-US" altLang="zh-TW" sz="4000" b="1" dirty="0">
+                <a:solidFill>
+                  <a:srgbClr val="FFFF00"/>
+                </a:solidFill>
+              </a:rPr>
+              <a:t>1.1 Application</a:t>
+            </a:r>
+            <a:endParaRPr lang="zh-TW" altLang="en-US" sz="4000" b="1" dirty="0">
+              <a:solidFill>
+                <a:srgbClr val="FFFF00"/>
+              </a:solidFill>
+            </a:endParaRPr>
+          </a:p>
+        </p:txBody>
+      </p:sp>
+      <p:sp>
+        <p:nvSpPr>
+          <p:cNvPr id="5" name="日期版面配置區 4"/>
+          <p:cNvSpPr>
+            <a:spLocks noGrp="1"/>
+          </p:cNvSpPr>
+          <p:nvPr>
+            <p:ph type="dt" sz="half" idx="10"/>
+          </p:nvPr>
+        </p:nvSpPr>
+        <p:spPr/>
+        <p:txBody>
+          <a:bodyPr/>
+          <a:lstStyle/>
+          <a:p>
+            <a:fld id="{C389EDC9-19E3-47AC-9C57-C6A24DEA81AD}" type="datetime1">
+              <a:rPr lang="zh-TW" altLang="en-US" smtClean="0"/>
+              <a:pPr/>
+              <a:t>2020/9/24</a:t>
+            </a:fld>
+            <a:endParaRPr lang="zh-TW" altLang="en-US"/>
+          </a:p>
+        </p:txBody>
+      </p:sp>
+      <p:sp>
+        <p:nvSpPr>
+          <p:cNvPr id="6" name="投影片編號版面配置區 5"/>
+          <p:cNvSpPr>
+            <a:spLocks noGrp="1"/>
+          </p:cNvSpPr>
+          <p:nvPr>
+            <p:ph type="sldNum" sz="quarter" idx="12"/>
+          </p:nvPr>
+        </p:nvSpPr>
+        <p:spPr/>
+        <p:txBody>
+          <a:bodyPr/>
+          <a:lstStyle/>
+          <a:p>
+            <a:fld id="{E4D7E63D-91F2-4366-A2C4-1B00C9E2590E}" type="slidenum">
+              <a:rPr lang="zh-TW" altLang="en-US" smtClean="0"/>
+              <a:pPr/>
+              <a:t>7</a:t>
+            </a:fld>
+            <a:endParaRPr lang="zh-TW" altLang="en-US"/>
+          </a:p>
+        </p:txBody>
+      </p:sp>
+      <p:pic>
+        <p:nvPicPr>
+          <p:cNvPr id="7" name="Picture 6">
+            <a:extLst>
+              <a:ext uri="{FF2B5EF4-FFF2-40B4-BE49-F238E27FC236}">
+                <a16:creationId xmlns:a16="http://schemas.microsoft.com/office/drawing/2014/main" id="{1BE488C5-DA27-405E-9F7E-A4EF5DF95762}"/>
+              </a:ext>
+            </a:extLst>
+          </p:cNvPr>
+          <p:cNvPicPr>
+            <a:picLocks noChangeAspect="1"/>
+          </p:cNvPicPr>
+          <p:nvPr/>
+        </p:nvPicPr>
+        <p:blipFill>
+          <a:blip r:embed="rId2"/>
+          <a:stretch>
+            <a:fillRect/>
+          </a:stretch>
+        </p:blipFill>
+        <p:spPr>
+          <a:xfrm>
+            <a:off x="3923928" y="3695964"/>
+            <a:ext cx="1004960" cy="885164"/>
+          </a:xfrm>
+          <a:prstGeom prst="rect">
+            <a:avLst/>
+          </a:prstGeom>
+        </p:spPr>
+      </p:pic>
+    </p:spTree>
+    <p:extLst>
+      <p:ext uri="{BB962C8B-B14F-4D97-AF65-F5344CB8AC3E}">
+        <p14:creationId xmlns:p14="http://schemas.microsoft.com/office/powerpoint/2010/main" val="1224097672"/>
+      </p:ext>
+    </p:extLst>
+  </p:cSld>
+  <p:clrMapOvr>
+    <a:masterClrMapping/>
+  </p:clrMapOvr>
+</p:sld>
+</file>
+
+<file path=ppt/slides/slide8.xml><?xml version="1.0" encoding="utf-8"?>
+<p:sld xmlns:a="http://schemas.openxmlformats.org/drawingml/2006/main" xmlns:r="http://schemas.openxmlformats.org/officeDocument/2006/relationships" xmlns:p="http://schemas.openxmlformats.org/presentationml/2006/main">
+  <p:cSld>
+    <p:spTree>
+      <p:nvGrpSpPr>
+        <p:cNvPr id="1" name=""/>
+        <p:cNvGrpSpPr/>
+        <p:nvPr/>
+      </p:nvGrpSpPr>
+      <p:grpSpPr>
+        <a:xfrm>
+          <a:off x="0" y="0"/>
+          <a:ext cx="0" cy="0"/>
+          <a:chOff x="0" y="0"/>
+          <a:chExt cx="0" cy="0"/>
+        </a:xfrm>
+      </p:grpSpPr>
+      <p:sp>
+        <p:nvSpPr>
+          <p:cNvPr id="2" name="標題 1"/>
+          <p:cNvSpPr>
+            <a:spLocks noGrp="1"/>
+          </p:cNvSpPr>
+          <p:nvPr>
+            <p:ph type="ctrTitle"/>
+          </p:nvPr>
+        </p:nvSpPr>
+        <p:spPr>
+          <a:xfrm>
             <a:off x="0" y="1"/>
             <a:ext cx="9144000" cy="764704"/>
           </a:xfrm>
@@ -5407,7 +6028,7 @@
                   <a:srgbClr val="FFFF00"/>
                 </a:solidFill>
               </a:rPr>
-              <a:t>1 Python Data Science, ML, and DL</a:t>
+              <a:t>1.1 Application</a:t>
             </a:r>
             <a:endParaRPr lang="zh-TW" altLang="en-US" sz="4000" b="1" dirty="0">
               <a:solidFill>
@@ -5430,7 +6051,7 @@
         <p:spPr>
           <a:xfrm>
             <a:off x="467543" y="1268759"/>
-            <a:ext cx="8241831" cy="1800201"/>
+            <a:ext cx="8241831" cy="1296145"/>
           </a:xfrm>
           <a:ln>
             <a:solidFill>
@@ -5458,7 +6079,7 @@
                   <a:schemeClr val="tx1"/>
                 </a:solidFill>
               </a:rPr>
-              <a:t>Some of the is best well known features, such as, “Product Recommendations”, “People who bought also bought”, “Top Sellers”, “Movie Recommendations”, “Spam classifier”, “Search Engine”, “Apache Spark distributed Computing”, “Handwriting Recognition”, “Face Recognition”,  “Fighter Jet Identifications”, “Benign/Malignant Tumor Classifier”, “Semiconductor QA/Corners Correlation Classification”, “Cars Model Classifiers”, “Self-Driving Car”, and etc.</a:t>
+              <a:t>Some of the well known applications, such as, “Product Recommendations”, “Spam classifier”, “Search Engine”, “Apache Spark Distributed Computing”, “Handwriting Recognition”, “Sentiment Analysis“, “Fighter Jet Identifications”, “Benign/Malignant Tumor Classifier”, “Self-Driving Car”, and etc.</a:t>
             </a:r>
           </a:p>
         </p:txBody>
@@ -5580,7 +6201,7 @@
             <a:fld id="{E4D7E63D-91F2-4366-A2C4-1B00C9E2590E}" type="slidenum">
               <a:rPr lang="zh-TW" altLang="en-US" smtClean="0"/>
               <a:pPr/>
-              <a:t>7</a:t>
+              <a:t>8</a:t>
             </a:fld>
             <a:endParaRPr lang="zh-TW" altLang="en-US"/>
           </a:p>
@@ -5615,60 +6236,8 @@
         </p:blipFill>
         <p:spPr bwMode="auto">
           <a:xfrm>
-            <a:off x="683568" y="3191407"/>
-            <a:ext cx="2857500" cy="1600200"/>
-          </a:xfrm>
-          <a:prstGeom prst="rect">
-            <a:avLst/>
-          </a:prstGeom>
-          <a:noFill/>
-          <a:ln>
-            <a:solidFill>
-              <a:srgbClr val="C00000"/>
-            </a:solidFill>
-          </a:ln>
-          <a:extLst>
-            <a:ext uri="{909E8E84-426E-40DD-AFC4-6F175D3DCCD1}">
-              <a14:hiddenFill xmlns:a14="http://schemas.microsoft.com/office/drawing/2010/main">
-                <a:solidFill>
-                  <a:srgbClr val="FFFFFF"/>
-                </a:solidFill>
-              </a14:hiddenFill>
-            </a:ext>
-          </a:extLst>
-        </p:spPr>
-      </p:pic>
-      <p:pic>
-        <p:nvPicPr>
-          <p:cNvPr id="3076" name="Picture 4" descr="Self-Driving Cars: A Guide to Technology and Safety">
-            <a:extLst>
-              <a:ext uri="{FF2B5EF4-FFF2-40B4-BE49-F238E27FC236}">
-                <a16:creationId xmlns:a16="http://schemas.microsoft.com/office/drawing/2014/main" id="{51527BFC-DCA2-44F1-B782-ABD8238C88C9}"/>
-              </a:ext>
-            </a:extLst>
-          </p:cNvPr>
-          <p:cNvPicPr>
-            <a:picLocks noChangeAspect="1" noChangeArrowheads="1"/>
-          </p:cNvPicPr>
-          <p:nvPr/>
-        </p:nvPicPr>
-        <p:blipFill>
-          <a:blip r:embed="rId3">
-            <a:extLst>
-              <a:ext uri="{28A0092B-C50C-407E-A947-70E740481C1C}">
-                <a14:useLocalDpi xmlns:a14="http://schemas.microsoft.com/office/drawing/2010/main" val="0"/>
-              </a:ext>
-            </a:extLst>
-          </a:blip>
-          <a:srcRect/>
-          <a:stretch>
-            <a:fillRect/>
-          </a:stretch>
-        </p:blipFill>
-        <p:spPr bwMode="auto">
-          <a:xfrm>
-            <a:off x="5257056" y="4933446"/>
-            <a:ext cx="2819400" cy="1619250"/>
+            <a:off x="1130988" y="2840446"/>
+            <a:ext cx="3214645" cy="1800201"/>
           </a:xfrm>
           <a:prstGeom prst="rect">
             <a:avLst/>
@@ -5705,7 +6274,7 @@
           <p:nvPr/>
         </p:nvPicPr>
         <p:blipFill>
-          <a:blip r:embed="rId4" cstate="print">
+          <a:blip r:embed="rId3" cstate="print">
             <a:extLst>
               <a:ext uri="{28A0092B-C50C-407E-A947-70E740481C1C}">
                 <a14:useLocalDpi xmlns:a14="http://schemas.microsoft.com/office/drawing/2010/main" val="0"/>
@@ -5719,60 +6288,8 @@
         </p:blipFill>
         <p:spPr bwMode="auto">
           <a:xfrm>
-            <a:off x="5257056" y="3144587"/>
-            <a:ext cx="2592288" cy="1581296"/>
-          </a:xfrm>
-          <a:prstGeom prst="rect">
-            <a:avLst/>
-          </a:prstGeom>
-          <a:noFill/>
-          <a:ln>
-            <a:solidFill>
-              <a:srgbClr val="C00000"/>
-            </a:solidFill>
-          </a:ln>
-          <a:extLst>
-            <a:ext uri="{909E8E84-426E-40DD-AFC4-6F175D3DCCD1}">
-              <a14:hiddenFill xmlns:a14="http://schemas.microsoft.com/office/drawing/2010/main">
-                <a:solidFill>
-                  <a:srgbClr val="FFFFFF"/>
-                </a:solidFill>
-              </a14:hiddenFill>
-            </a:ext>
-          </a:extLst>
-        </p:spPr>
-      </p:pic>
-      <p:pic>
-        <p:nvPicPr>
-          <p:cNvPr id="3080" name="Picture 8" descr="How do you check the quality of your regression model in Python? | by  Tirthajyoti Sarkar | Towards Data Science">
-            <a:extLst>
-              <a:ext uri="{FF2B5EF4-FFF2-40B4-BE49-F238E27FC236}">
-                <a16:creationId xmlns:a16="http://schemas.microsoft.com/office/drawing/2014/main" id="{A38F1825-E86D-45B0-AF14-34EDFEF9BF20}"/>
-              </a:ext>
-            </a:extLst>
-          </p:cNvPr>
-          <p:cNvPicPr>
-            <a:picLocks noChangeAspect="1" noChangeArrowheads="1"/>
-          </p:cNvPicPr>
-          <p:nvPr/>
-        </p:nvPicPr>
-        <p:blipFill>
-          <a:blip r:embed="rId5" cstate="print">
-            <a:extLst>
-              <a:ext uri="{28A0092B-C50C-407E-A947-70E740481C1C}">
-                <a14:useLocalDpi xmlns:a14="http://schemas.microsoft.com/office/drawing/2010/main" val="0"/>
-              </a:ext>
-            </a:extLst>
-          </a:blip>
-          <a:srcRect/>
-          <a:stretch>
-            <a:fillRect/>
-          </a:stretch>
-        </p:blipFill>
-        <p:spPr bwMode="auto">
-          <a:xfrm>
-            <a:off x="635814" y="4933446"/>
-            <a:ext cx="3792170" cy="1439839"/>
+            <a:off x="4824240" y="2867605"/>
+            <a:ext cx="3013992" cy="1838535"/>
           </a:xfrm>
           <a:prstGeom prst="rect">
             <a:avLst/>
@@ -5807,7 +6324,7 @@
 </p:sld>
 </file>
 
-<file path=ppt/slides/slide8.xml><?xml version="1.0" encoding="utf-8"?>
+<file path=ppt/slides/slide9.xml><?xml version="1.0" encoding="utf-8"?>
 <p:sld xmlns:a="http://schemas.openxmlformats.org/drawingml/2006/main" xmlns:r="http://schemas.openxmlformats.org/officeDocument/2006/relationships" xmlns:p="http://schemas.openxmlformats.org/presentationml/2006/main">
   <p:cSld>
     <p:spTree>
@@ -5839,32 +6356,9 @@
             <a:off x="0" y="2130425"/>
             <a:ext cx="9144000" cy="1470025"/>
           </a:xfrm>
-          <a:gradFill flip="none" rotWithShape="1">
-            <a:gsLst>
-              <a:gs pos="0">
-                <a:srgbClr val="00B0F0">
-                  <a:shade val="30000"/>
-                  <a:satMod val="115000"/>
-                </a:srgbClr>
-              </a:gs>
-              <a:gs pos="50000">
-                <a:srgbClr val="00B0F0">
-                  <a:shade val="67500"/>
-                  <a:satMod val="115000"/>
-                </a:srgbClr>
-              </a:gs>
-              <a:gs pos="100000">
-                <a:srgbClr val="00B0F0">
-                  <a:shade val="100000"/>
-                  <a:satMod val="115000"/>
-                </a:srgbClr>
-              </a:gs>
-            </a:gsLst>
-            <a:path path="circle">
-              <a:fillToRect t="100000" r="100000"/>
-            </a:path>
-            <a:tileRect l="-100000" b="-100000"/>
-          </a:gradFill>
+          <a:solidFill>
+            <a:srgbClr val="00B0F0"/>
+          </a:solidFill>
         </p:spPr>
         <p:txBody>
           <a:bodyPr>
@@ -5873,14 +6367,14 @@
           <a:lstStyle/>
           <a:p>
             <a:r>
-              <a:rPr lang="en-US" altLang="zh-TW" sz="6000" b="1" dirty="0">
+              <a:rPr lang="en-US" altLang="zh-TW" sz="4000" b="1" dirty="0">
                 <a:solidFill>
                   <a:srgbClr val="FFFF00"/>
                 </a:solidFill>
               </a:rPr>
-              <a:t>End of Chapter</a:t>
-            </a:r>
-            <a:endParaRPr lang="zh-TW" altLang="en-US" sz="6000" b="1" dirty="0">
+              <a:t>1.2 Python and Jupyter Notebook</a:t>
+            </a:r>
+            <a:endParaRPr lang="zh-TW" altLang="en-US" sz="4000" b="1" dirty="0">
               <a:solidFill>
                 <a:srgbClr val="FFFF00"/>
               </a:solidFill>
@@ -5903,7 +6397,7 @@
           <a:bodyPr/>
           <a:lstStyle/>
           <a:p>
-            <a:fld id="{4E46BE27-E923-4EC2-B046-3272AE2A3E5C}" type="datetime1">
+            <a:fld id="{C389EDC9-19E3-47AC-9C57-C6A24DEA81AD}" type="datetime1">
               <a:rPr lang="zh-TW" altLang="en-US" smtClean="0"/>
               <a:pPr/>
               <a:t>2020/9/24</a:t>
@@ -5930,13 +6424,48 @@
             <a:fld id="{E4D7E63D-91F2-4366-A2C4-1B00C9E2590E}" type="slidenum">
               <a:rPr lang="zh-TW" altLang="en-US" smtClean="0"/>
               <a:pPr/>
-              <a:t>8</a:t>
+              <a:t>9</a:t>
             </a:fld>
             <a:endParaRPr lang="zh-TW" altLang="en-US"/>
           </a:p>
         </p:txBody>
       </p:sp>
+      <p:pic>
+        <p:nvPicPr>
+          <p:cNvPr id="7" name="Picture 6">
+            <a:extLst>
+              <a:ext uri="{FF2B5EF4-FFF2-40B4-BE49-F238E27FC236}">
+                <a16:creationId xmlns:a16="http://schemas.microsoft.com/office/drawing/2014/main" id="{1BE488C5-DA27-405E-9F7E-A4EF5DF95762}"/>
+              </a:ext>
+            </a:extLst>
+          </p:cNvPr>
+          <p:cNvPicPr>
+            <a:picLocks noChangeAspect="1"/>
+          </p:cNvPicPr>
+          <p:nvPr/>
+        </p:nvPicPr>
+        <p:blipFill>
+          <a:blip r:embed="rId2"/>
+          <a:stretch>
+            <a:fillRect/>
+          </a:stretch>
+        </p:blipFill>
+        <p:spPr>
+          <a:xfrm>
+            <a:off x="3923928" y="3695964"/>
+            <a:ext cx="1004960" cy="885164"/>
+          </a:xfrm>
+          <a:prstGeom prst="rect">
+            <a:avLst/>
+          </a:prstGeom>
+        </p:spPr>
+      </p:pic>
     </p:spTree>
+    <p:extLst>
+      <p:ext uri="{BB962C8B-B14F-4D97-AF65-F5344CB8AC3E}">
+        <p14:creationId xmlns:p14="http://schemas.microsoft.com/office/powerpoint/2010/main" val="1266862352"/>
+      </p:ext>
+    </p:extLst>
   </p:cSld>
   <p:clrMapOvr>
     <a:masterClrMapping/>
